--- a/ppt_files/vert_design5.pptx
+++ b/ppt_files/vert_design5.pptx
@@ -10,7 +10,7 @@
   <p:sldIdLst>
     <p:sldId id="256" r:id="rId8"/>
   </p:sldIdLst>
-  <p:sldSz cx="38404800" cy="40233600"/>
+  <p:sldSz cx="43891200" cy="51206400"/>
   <p:notesSz cx="6858000" cy="9144000"/>
   <p:defaultTextStyle>
     <a:defPPr marL="0" marR="0" indent="0" algn="l" defTabSz="914400" rtl="0" fontAlgn="auto" latinLnBrk="1" hangingPunct="0">
@@ -39,7 +39,7 @@
         <a:uFillTx/>
       </a:defRPr>
     </a:defPPr>
-    <a:lvl1pPr marL="0" marR="0" indent="0" algn="ctr" defTabSz="2409825" rtl="0" fontAlgn="auto" latinLnBrk="0" hangingPunct="0">
+    <a:lvl1pPr marL="0" marR="0" indent="0" algn="ctr" defTabSz="3505200" rtl="0" fontAlgn="auto" latinLnBrk="0" hangingPunct="0">
       <a:lnSpc>
         <a:spcPct val="100000"/>
       </a:lnSpc>
@@ -54,7 +54,7 @@
       <a:buFontTx/>
       <a:buNone/>
       <a:tabLst/>
-      <a:defRPr b="1" baseline="0" cap="none" i="0" spc="0" strike="noStrike" sz="8600" u="none" kumimoji="0" normalizeH="0">
+      <a:defRPr b="1" baseline="0" cap="none" i="0" spc="0" strike="noStrike" sz="12400" u="none" kumimoji="0" normalizeH="0">
         <a:ln>
           <a:noFill/>
         </a:ln>
@@ -69,7 +69,7 @@
         <a:sym typeface="Helvetica Neue"/>
       </a:defRPr>
     </a:lvl1pPr>
-    <a:lvl2pPr marL="0" marR="0" indent="228600" algn="ctr" defTabSz="2409825" rtl="0" fontAlgn="auto" latinLnBrk="0" hangingPunct="0">
+    <a:lvl2pPr marL="0" marR="0" indent="228600" algn="ctr" defTabSz="3505200" rtl="0" fontAlgn="auto" latinLnBrk="0" hangingPunct="0">
       <a:lnSpc>
         <a:spcPct val="100000"/>
       </a:lnSpc>
@@ -84,7 +84,7 @@
       <a:buFontTx/>
       <a:buNone/>
       <a:tabLst/>
-      <a:defRPr b="1" baseline="0" cap="none" i="0" spc="0" strike="noStrike" sz="8600" u="none" kumimoji="0" normalizeH="0">
+      <a:defRPr b="1" baseline="0" cap="none" i="0" spc="0" strike="noStrike" sz="12400" u="none" kumimoji="0" normalizeH="0">
         <a:ln>
           <a:noFill/>
         </a:ln>
@@ -99,7 +99,7 @@
         <a:sym typeface="Helvetica Neue"/>
       </a:defRPr>
     </a:lvl2pPr>
-    <a:lvl3pPr marL="0" marR="0" indent="457200" algn="ctr" defTabSz="2409825" rtl="0" fontAlgn="auto" latinLnBrk="0" hangingPunct="0">
+    <a:lvl3pPr marL="0" marR="0" indent="457200" algn="ctr" defTabSz="3505200" rtl="0" fontAlgn="auto" latinLnBrk="0" hangingPunct="0">
       <a:lnSpc>
         <a:spcPct val="100000"/>
       </a:lnSpc>
@@ -114,7 +114,7 @@
       <a:buFontTx/>
       <a:buNone/>
       <a:tabLst/>
-      <a:defRPr b="1" baseline="0" cap="none" i="0" spc="0" strike="noStrike" sz="8600" u="none" kumimoji="0" normalizeH="0">
+      <a:defRPr b="1" baseline="0" cap="none" i="0" spc="0" strike="noStrike" sz="12400" u="none" kumimoji="0" normalizeH="0">
         <a:ln>
           <a:noFill/>
         </a:ln>
@@ -129,7 +129,7 @@
         <a:sym typeface="Helvetica Neue"/>
       </a:defRPr>
     </a:lvl3pPr>
-    <a:lvl4pPr marL="0" marR="0" indent="685800" algn="ctr" defTabSz="2409825" rtl="0" fontAlgn="auto" latinLnBrk="0" hangingPunct="0">
+    <a:lvl4pPr marL="0" marR="0" indent="685800" algn="ctr" defTabSz="3505200" rtl="0" fontAlgn="auto" latinLnBrk="0" hangingPunct="0">
       <a:lnSpc>
         <a:spcPct val="100000"/>
       </a:lnSpc>
@@ -144,7 +144,7 @@
       <a:buFontTx/>
       <a:buNone/>
       <a:tabLst/>
-      <a:defRPr b="1" baseline="0" cap="none" i="0" spc="0" strike="noStrike" sz="8600" u="none" kumimoji="0" normalizeH="0">
+      <a:defRPr b="1" baseline="0" cap="none" i="0" spc="0" strike="noStrike" sz="12400" u="none" kumimoji="0" normalizeH="0">
         <a:ln>
           <a:noFill/>
         </a:ln>
@@ -159,7 +159,7 @@
         <a:sym typeface="Helvetica Neue"/>
       </a:defRPr>
     </a:lvl4pPr>
-    <a:lvl5pPr marL="0" marR="0" indent="914400" algn="ctr" defTabSz="2409825" rtl="0" fontAlgn="auto" latinLnBrk="0" hangingPunct="0">
+    <a:lvl5pPr marL="0" marR="0" indent="914400" algn="ctr" defTabSz="3505200" rtl="0" fontAlgn="auto" latinLnBrk="0" hangingPunct="0">
       <a:lnSpc>
         <a:spcPct val="100000"/>
       </a:lnSpc>
@@ -174,7 +174,7 @@
       <a:buFontTx/>
       <a:buNone/>
       <a:tabLst/>
-      <a:defRPr b="1" baseline="0" cap="none" i="0" spc="0" strike="noStrike" sz="8600" u="none" kumimoji="0" normalizeH="0">
+      <a:defRPr b="1" baseline="0" cap="none" i="0" spc="0" strike="noStrike" sz="12400" u="none" kumimoji="0" normalizeH="0">
         <a:ln>
           <a:noFill/>
         </a:ln>
@@ -189,7 +189,7 @@
         <a:sym typeface="Helvetica Neue"/>
       </a:defRPr>
     </a:lvl5pPr>
-    <a:lvl6pPr marL="0" marR="0" indent="1143000" algn="ctr" defTabSz="2409825" rtl="0" fontAlgn="auto" latinLnBrk="0" hangingPunct="0">
+    <a:lvl6pPr marL="0" marR="0" indent="1143000" algn="ctr" defTabSz="3505200" rtl="0" fontAlgn="auto" latinLnBrk="0" hangingPunct="0">
       <a:lnSpc>
         <a:spcPct val="100000"/>
       </a:lnSpc>
@@ -204,7 +204,7 @@
       <a:buFontTx/>
       <a:buNone/>
       <a:tabLst/>
-      <a:defRPr b="1" baseline="0" cap="none" i="0" spc="0" strike="noStrike" sz="8600" u="none" kumimoji="0" normalizeH="0">
+      <a:defRPr b="1" baseline="0" cap="none" i="0" spc="0" strike="noStrike" sz="12400" u="none" kumimoji="0" normalizeH="0">
         <a:ln>
           <a:noFill/>
         </a:ln>
@@ -219,7 +219,7 @@
         <a:sym typeface="Helvetica Neue"/>
       </a:defRPr>
     </a:lvl6pPr>
-    <a:lvl7pPr marL="0" marR="0" indent="1371600" algn="ctr" defTabSz="2409825" rtl="0" fontAlgn="auto" latinLnBrk="0" hangingPunct="0">
+    <a:lvl7pPr marL="0" marR="0" indent="1371600" algn="ctr" defTabSz="3505200" rtl="0" fontAlgn="auto" latinLnBrk="0" hangingPunct="0">
       <a:lnSpc>
         <a:spcPct val="100000"/>
       </a:lnSpc>
@@ -234,7 +234,7 @@
       <a:buFontTx/>
       <a:buNone/>
       <a:tabLst/>
-      <a:defRPr b="1" baseline="0" cap="none" i="0" spc="0" strike="noStrike" sz="8600" u="none" kumimoji="0" normalizeH="0">
+      <a:defRPr b="1" baseline="0" cap="none" i="0" spc="0" strike="noStrike" sz="12400" u="none" kumimoji="0" normalizeH="0">
         <a:ln>
           <a:noFill/>
         </a:ln>
@@ -249,7 +249,7 @@
         <a:sym typeface="Helvetica Neue"/>
       </a:defRPr>
     </a:lvl7pPr>
-    <a:lvl8pPr marL="0" marR="0" indent="1600200" algn="ctr" defTabSz="2409825" rtl="0" fontAlgn="auto" latinLnBrk="0" hangingPunct="0">
+    <a:lvl8pPr marL="0" marR="0" indent="1600200" algn="ctr" defTabSz="3505200" rtl="0" fontAlgn="auto" latinLnBrk="0" hangingPunct="0">
       <a:lnSpc>
         <a:spcPct val="100000"/>
       </a:lnSpc>
@@ -264,7 +264,7 @@
       <a:buFontTx/>
       <a:buNone/>
       <a:tabLst/>
-      <a:defRPr b="1" baseline="0" cap="none" i="0" spc="0" strike="noStrike" sz="8600" u="none" kumimoji="0" normalizeH="0">
+      <a:defRPr b="1" baseline="0" cap="none" i="0" spc="0" strike="noStrike" sz="12400" u="none" kumimoji="0" normalizeH="0">
         <a:ln>
           <a:noFill/>
         </a:ln>
@@ -279,7 +279,7 @@
         <a:sym typeface="Helvetica Neue"/>
       </a:defRPr>
     </a:lvl8pPr>
-    <a:lvl9pPr marL="0" marR="0" indent="1828800" algn="ctr" defTabSz="2409825" rtl="0" fontAlgn="auto" latinLnBrk="0" hangingPunct="0">
+    <a:lvl9pPr marL="0" marR="0" indent="1828800" algn="ctr" defTabSz="3505200" rtl="0" fontAlgn="auto" latinLnBrk="0" hangingPunct="0">
       <a:lnSpc>
         <a:spcPct val="100000"/>
       </a:lnSpc>
@@ -294,7 +294,7 @@
       <a:buFontTx/>
       <a:buNone/>
       <a:tabLst/>
-      <a:defRPr b="1" baseline="0" cap="none" i="0" spc="0" strike="noStrike" sz="8600" u="none" kumimoji="0" normalizeH="0">
+      <a:defRPr b="1" baseline="0" cap="none" i="0" spc="0" strike="noStrike" sz="12400" u="none" kumimoji="0" normalizeH="0">
         <a:ln>
           <a:noFill/>
         </a:ln>
@@ -638,8 +638,8 @@
         </p:nvSpPr>
         <p:spPr>
           <a:xfrm>
-            <a:off x="12373198" y="22056160"/>
-            <a:ext cx="13658404" cy="1397426"/>
+            <a:off x="14140797" y="31477212"/>
+            <a:ext cx="15609606" cy="1987056"/>
           </a:xfrm>
           <a:prstGeom prst="rect">
             <a:avLst/>
@@ -651,7 +651,7 @@
           </a:bodyPr>
           <a:lstStyle>
             <a:lvl1pPr>
-              <a:defRPr i="1" sz="8600"/>
+              <a:defRPr i="1" sz="12400"/>
             </a:lvl1pPr>
           </a:lstStyle>
           <a:p>
@@ -672,8 +672,8 @@
         </p:nvSpPr>
         <p:spPr>
           <a:xfrm>
-            <a:off x="12373198" y="17799266"/>
-            <a:ext cx="13658404" cy="3947727"/>
+            <a:off x="14140797" y="26031413"/>
+            <a:ext cx="15609606" cy="5673241"/>
           </a:xfrm>
           <a:prstGeom prst="rect">
             <a:avLst/>
@@ -685,7 +685,7 @@
           </a:bodyPr>
           <a:lstStyle>
             <a:lvl1pPr>
-              <a:defRPr sz="12400">
+              <a:defRPr sz="18000">
                 <a:latin typeface="+mn-lt"/>
                 <a:ea typeface="+mn-ea"/>
                 <a:cs typeface="+mn-cs"/>
@@ -759,8 +759,8 @@
         </p:nvSpPr>
         <p:spPr>
           <a:xfrm>
-            <a:off x="10715625" y="13751718"/>
-            <a:ext cx="16973551" cy="12730165"/>
+            <a:off x="12246428" y="21986421"/>
+            <a:ext cx="19398345" cy="14548759"/>
           </a:xfrm>
           <a:prstGeom prst="rect">
             <a:avLst/>
@@ -882,8 +882,8 @@
         </p:nvSpPr>
         <p:spPr>
           <a:xfrm>
-            <a:off x="12829031" y="14630232"/>
-            <a:ext cx="12735926" cy="7707717"/>
+            <a:off x="14661749" y="22990436"/>
+            <a:ext cx="14555345" cy="8808820"/>
           </a:xfrm>
           <a:prstGeom prst="rect">
             <a:avLst/>
@@ -909,8 +909,8 @@
         </p:nvSpPr>
         <p:spPr>
           <a:xfrm>
-            <a:off x="12373198" y="22520281"/>
-            <a:ext cx="13658404" cy="1856483"/>
+            <a:off x="14140797" y="32007635"/>
+            <a:ext cx="15609606" cy="2121695"/>
           </a:xfrm>
           <a:prstGeom prst="rect">
             <a:avLst/>
@@ -937,8 +937,8 @@
         </p:nvSpPr>
         <p:spPr>
           <a:xfrm>
-            <a:off x="12373198" y="24393338"/>
-            <a:ext cx="13658404" cy="1475242"/>
+            <a:off x="14140797" y="34148273"/>
+            <a:ext cx="15609606" cy="1685990"/>
           </a:xfrm>
           <a:prstGeom prst="rect">
             <a:avLst/>
@@ -1037,8 +1037,8 @@
         </p:nvSpPr>
         <p:spPr>
           <a:xfrm>
-            <a:off x="12373198" y="17961954"/>
-            <a:ext cx="13658404" cy="4309692"/>
+            <a:off x="14140797" y="26798119"/>
+            <a:ext cx="15609606" cy="4925362"/>
           </a:xfrm>
           <a:prstGeom prst="rect">
             <a:avLst/>
@@ -1113,8 +1113,8 @@
         </p:nvSpPr>
         <p:spPr>
           <a:xfrm>
-            <a:off x="19484187" y="14585620"/>
-            <a:ext cx="6961809" cy="10724501"/>
+            <a:off x="22267643" y="22939451"/>
+            <a:ext cx="7956353" cy="12256573"/>
           </a:xfrm>
           <a:prstGeom prst="rect">
             <a:avLst/>
@@ -1140,8 +1140,8 @@
         </p:nvSpPr>
         <p:spPr>
           <a:xfrm>
-            <a:off x="11958804" y="14580505"/>
-            <a:ext cx="6961809" cy="5204781"/>
+            <a:off x="13667205" y="22933605"/>
+            <a:ext cx="7956353" cy="5948322"/>
           </a:xfrm>
           <a:prstGeom prst="rect">
             <a:avLst/>
@@ -1151,7 +1151,7 @@
           <a:bodyPr/>
           <a:lstStyle>
             <a:lvl1pPr>
-              <a:defRPr sz="24000"/>
+              <a:defRPr sz="34800"/>
             </a:lvl1pPr>
           </a:lstStyle>
           <a:p>
@@ -1172,8 +1172,8 @@
         </p:nvSpPr>
         <p:spPr>
           <a:xfrm>
-            <a:off x="11958804" y="19917891"/>
-            <a:ext cx="6961809" cy="5370538"/>
+            <a:off x="13667205" y="29033475"/>
+            <a:ext cx="7956353" cy="6137759"/>
           </a:xfrm>
           <a:prstGeom prst="rect">
             <a:avLst/>
@@ -1272,8 +1272,8 @@
         </p:nvSpPr>
         <p:spPr>
           <a:xfrm>
-            <a:off x="11958804" y="14083233"/>
-            <a:ext cx="14487192" cy="2817876"/>
+            <a:off x="13667205" y="22365295"/>
+            <a:ext cx="16556790" cy="3220429"/>
           </a:xfrm>
           <a:prstGeom prst="rect">
             <a:avLst/>
@@ -1348,8 +1348,8 @@
         </p:nvSpPr>
         <p:spPr>
           <a:xfrm>
-            <a:off x="11958804" y="14083233"/>
-            <a:ext cx="14487192" cy="2817876"/>
+            <a:off x="13667205" y="22365295"/>
+            <a:ext cx="16556790" cy="3220429"/>
           </a:xfrm>
           <a:prstGeom prst="rect">
             <a:avLst/>
@@ -1376,8 +1376,8 @@
         </p:nvSpPr>
         <p:spPr>
           <a:xfrm>
-            <a:off x="11958804" y="17133168"/>
-            <a:ext cx="14487192" cy="8204988"/>
+            <a:off x="13667205" y="25850934"/>
+            <a:ext cx="16556790" cy="9377130"/>
           </a:xfrm>
           <a:prstGeom prst="rect">
             <a:avLst/>
@@ -1386,45 +1386,45 @@
         <p:txBody>
           <a:bodyPr anchor="ctr"/>
           <a:lstStyle>
-            <a:lvl1pPr marL="1722437" indent="-1722437" algn="l">
+            <a:lvl1pPr marL="2500312" indent="-2500312" algn="l">
               <a:spcBef>
-                <a:spcPts val="17300"/>
+                <a:spcPts val="25200"/>
               </a:spcBef>
               <a:buSzPct val="145000"/>
               <a:buChar char="•"/>
-              <a:defRPr sz="12400"/>
+              <a:defRPr sz="18000"/>
             </a:lvl1pPr>
-            <a:lvl2pPr marL="2166937" indent="-1722437" algn="l">
+            <a:lvl2pPr marL="2944812" indent="-2500312" algn="l">
               <a:spcBef>
-                <a:spcPts val="17300"/>
+                <a:spcPts val="25200"/>
               </a:spcBef>
               <a:buSzPct val="145000"/>
               <a:buChar char="•"/>
-              <a:defRPr sz="12400"/>
+              <a:defRPr sz="18000"/>
             </a:lvl2pPr>
-            <a:lvl3pPr marL="2611437" indent="-1722437" algn="l">
+            <a:lvl3pPr marL="3389312" indent="-2500312" algn="l">
               <a:spcBef>
-                <a:spcPts val="17300"/>
+                <a:spcPts val="25200"/>
               </a:spcBef>
               <a:buSzPct val="145000"/>
               <a:buChar char="•"/>
-              <a:defRPr sz="12400"/>
+              <a:defRPr sz="18000"/>
             </a:lvl3pPr>
-            <a:lvl4pPr marL="3055937" indent="-1722437" algn="l">
+            <a:lvl4pPr marL="3833812" indent="-2500312" algn="l">
               <a:spcBef>
-                <a:spcPts val="17300"/>
+                <a:spcPts val="25200"/>
               </a:spcBef>
               <a:buSzPct val="145000"/>
               <a:buChar char="•"/>
-              <a:defRPr sz="12400"/>
+              <a:defRPr sz="18000"/>
             </a:lvl4pPr>
-            <a:lvl5pPr marL="3500437" indent="-1722437" algn="l">
+            <a:lvl5pPr marL="4278312" indent="-2500312" algn="l">
               <a:spcBef>
-                <a:spcPts val="17300"/>
+                <a:spcPts val="25200"/>
               </a:spcBef>
               <a:buSzPct val="145000"/>
               <a:buChar char="•"/>
-              <a:defRPr sz="12400"/>
+              <a:defRPr sz="18000"/>
             </a:lvl5pPr>
           </a:lstStyle>
           <a:p>
@@ -1517,8 +1517,8 @@
         </p:nvSpPr>
         <p:spPr>
           <a:xfrm>
-            <a:off x="19484187" y="17133168"/>
-            <a:ext cx="6961809" cy="8204988"/>
+            <a:off x="22267643" y="25850934"/>
+            <a:ext cx="7956352" cy="9377130"/>
           </a:xfrm>
           <a:prstGeom prst="rect">
             <a:avLst/>
@@ -1544,8 +1544,8 @@
         </p:nvSpPr>
         <p:spPr>
           <a:xfrm>
-            <a:off x="11958804" y="14083233"/>
-            <a:ext cx="14487192" cy="2817876"/>
+            <a:off x="13667205" y="22365295"/>
+            <a:ext cx="16556790" cy="3220429"/>
           </a:xfrm>
           <a:prstGeom prst="rect">
             <a:avLst/>
@@ -1572,8 +1572,8 @@
         </p:nvSpPr>
         <p:spPr>
           <a:xfrm>
-            <a:off x="11958804" y="17133168"/>
-            <a:ext cx="6961809" cy="8204988"/>
+            <a:off x="13667205" y="25850934"/>
+            <a:ext cx="7956353" cy="9377130"/>
           </a:xfrm>
           <a:prstGeom prst="rect">
             <a:avLst/>
@@ -1582,45 +1582,45 @@
         <p:txBody>
           <a:bodyPr anchor="ctr"/>
           <a:lstStyle>
-            <a:lvl1pPr marL="1273628" indent="-1273628" algn="l">
+            <a:lvl1pPr marL="1836964" indent="-1836964" algn="l">
               <a:spcBef>
-                <a:spcPts val="13200"/>
+                <a:spcPts val="19200"/>
               </a:spcBef>
               <a:buSzPct val="145000"/>
               <a:buChar char="•"/>
-              <a:defRPr sz="10400"/>
+              <a:defRPr sz="15000"/>
             </a:lvl1pPr>
-            <a:lvl2pPr marL="1616528" indent="-1273628" algn="l">
+            <a:lvl2pPr marL="2179864" indent="-1836964" algn="l">
               <a:spcBef>
-                <a:spcPts val="13200"/>
+                <a:spcPts val="19200"/>
               </a:spcBef>
               <a:buSzPct val="145000"/>
               <a:buChar char="•"/>
-              <a:defRPr sz="10400"/>
+              <a:defRPr sz="15000"/>
             </a:lvl2pPr>
-            <a:lvl3pPr marL="1959428" indent="-1273628" algn="l">
+            <a:lvl3pPr marL="2522764" indent="-1836964" algn="l">
               <a:spcBef>
-                <a:spcPts val="13200"/>
+                <a:spcPts val="19200"/>
               </a:spcBef>
               <a:buSzPct val="145000"/>
               <a:buChar char="•"/>
-              <a:defRPr sz="10400"/>
+              <a:defRPr sz="15000"/>
             </a:lvl3pPr>
-            <a:lvl4pPr marL="2302328" indent="-1273628" algn="l">
+            <a:lvl4pPr marL="2865664" indent="-1836964" algn="l">
               <a:spcBef>
-                <a:spcPts val="13200"/>
+                <a:spcPts val="19200"/>
               </a:spcBef>
               <a:buSzPct val="145000"/>
               <a:buChar char="•"/>
-              <a:defRPr sz="10400"/>
+              <a:defRPr sz="15000"/>
             </a:lvl4pPr>
-            <a:lvl5pPr marL="2645228" indent="-1273628" algn="l">
+            <a:lvl5pPr marL="3208564" indent="-1836964" algn="l">
               <a:spcBef>
-                <a:spcPts val="13200"/>
+                <a:spcPts val="19200"/>
               </a:spcBef>
               <a:buSzPct val="145000"/>
               <a:buChar char="•"/>
-              <a:defRPr sz="10400"/>
+              <a:defRPr sz="15000"/>
             </a:lvl5pPr>
           </a:lstStyle>
           <a:p>
@@ -1713,8 +1713,8 @@
         </p:nvSpPr>
         <p:spPr>
           <a:xfrm>
-            <a:off x="11958804" y="15409291"/>
-            <a:ext cx="14487192" cy="9415018"/>
+            <a:off x="13667205" y="23880790"/>
+            <a:ext cx="16556790" cy="10760020"/>
           </a:xfrm>
           <a:prstGeom prst="rect">
             <a:avLst/>
@@ -1723,45 +1723,45 @@
         <p:txBody>
           <a:bodyPr anchor="ctr"/>
           <a:lstStyle>
-            <a:lvl1pPr marL="1722437" indent="-1722437" algn="l">
+            <a:lvl1pPr marL="2500312" indent="-2500312" algn="l">
               <a:spcBef>
-                <a:spcPts val="17300"/>
+                <a:spcPts val="25200"/>
               </a:spcBef>
               <a:buSzPct val="145000"/>
               <a:buChar char="•"/>
-              <a:defRPr sz="12400"/>
+              <a:defRPr sz="18000"/>
             </a:lvl1pPr>
-            <a:lvl2pPr marL="2166937" indent="-1722437" algn="l">
+            <a:lvl2pPr marL="2944812" indent="-2500312" algn="l">
               <a:spcBef>
-                <a:spcPts val="17300"/>
+                <a:spcPts val="25200"/>
               </a:spcBef>
               <a:buSzPct val="145000"/>
               <a:buChar char="•"/>
-              <a:defRPr sz="12400"/>
+              <a:defRPr sz="18000"/>
             </a:lvl2pPr>
-            <a:lvl3pPr marL="2611437" indent="-1722437" algn="l">
+            <a:lvl3pPr marL="3389312" indent="-2500312" algn="l">
               <a:spcBef>
-                <a:spcPts val="17300"/>
+                <a:spcPts val="25200"/>
               </a:spcBef>
               <a:buSzPct val="145000"/>
               <a:buChar char="•"/>
-              <a:defRPr sz="12400"/>
+              <a:defRPr sz="18000"/>
             </a:lvl3pPr>
-            <a:lvl4pPr marL="3055937" indent="-1722437" algn="l">
+            <a:lvl4pPr marL="3833812" indent="-2500312" algn="l">
               <a:spcBef>
-                <a:spcPts val="17300"/>
+                <a:spcPts val="25200"/>
               </a:spcBef>
               <a:buSzPct val="145000"/>
               <a:buChar char="•"/>
-              <a:defRPr sz="12400"/>
+              <a:defRPr sz="18000"/>
             </a:lvl4pPr>
-            <a:lvl5pPr marL="3500437" indent="-1722437" algn="l">
+            <a:lvl5pPr marL="4278312" indent="-2500312" algn="l">
               <a:spcBef>
-                <a:spcPts val="17300"/>
+                <a:spcPts val="25200"/>
               </a:spcBef>
               <a:buSzPct val="145000"/>
               <a:buChar char="•"/>
-              <a:defRPr sz="12400"/>
+              <a:defRPr sz="18000"/>
             </a:lvl5pPr>
           </a:lstStyle>
           <a:p>
@@ -1854,8 +1854,8 @@
         </p:nvSpPr>
         <p:spPr>
           <a:xfrm>
-            <a:off x="19500763" y="20232830"/>
-            <a:ext cx="6961808" cy="5088751"/>
+            <a:off x="22286586" y="29393405"/>
+            <a:ext cx="7956353" cy="5815716"/>
           </a:xfrm>
           <a:prstGeom prst="rect">
             <a:avLst/>
@@ -1881,8 +1881,8 @@
         </p:nvSpPr>
         <p:spPr>
           <a:xfrm>
-            <a:off x="19500763" y="14580505"/>
-            <a:ext cx="6961808" cy="5088751"/>
+            <a:off x="22286586" y="22933605"/>
+            <a:ext cx="7956353" cy="5815716"/>
           </a:xfrm>
           <a:prstGeom prst="rect">
             <a:avLst/>
@@ -1908,8 +1908,8 @@
         </p:nvSpPr>
         <p:spPr>
           <a:xfrm>
-            <a:off x="11958804" y="14580505"/>
-            <a:ext cx="6961809" cy="10741076"/>
+            <a:off x="13667205" y="22933605"/>
+            <a:ext cx="7956353" cy="12275517"/>
           </a:xfrm>
           <a:prstGeom prst="rect">
             <a:avLst/>
@@ -1990,8 +1990,8 @@
         </p:nvSpPr>
         <p:spPr>
           <a:xfrm>
-            <a:off x="12373198" y="15889988"/>
-            <a:ext cx="13658404" cy="4309691"/>
+            <a:off x="14140797" y="24430157"/>
+            <a:ext cx="15609606" cy="4925362"/>
           </a:xfrm>
           <a:prstGeom prst="rect">
             <a:avLst/>
@@ -2006,7 +2006,7 @@
           </a:extLst>
         </p:spPr>
         <p:txBody>
-          <a:bodyPr lIns="66302" tIns="66302" rIns="66302" bIns="66302" anchor="b">
+          <a:bodyPr lIns="75774" tIns="75774" rIns="75774" bIns="75774" anchor="b">
             <a:normAutofit fontScale="100000" lnSpcReduction="0"/>
           </a:bodyPr>
           <a:lstStyle/>
@@ -2028,8 +2028,8 @@
         </p:nvSpPr>
         <p:spPr>
           <a:xfrm>
-            <a:off x="12373198" y="20315708"/>
-            <a:ext cx="13658404" cy="1475242"/>
+            <a:off x="14140797" y="29488124"/>
+            <a:ext cx="15609606" cy="1685990"/>
           </a:xfrm>
           <a:prstGeom prst="rect">
             <a:avLst/>
@@ -2044,7 +2044,7 @@
           </a:extLst>
         </p:spPr>
         <p:txBody>
-          <a:bodyPr lIns="66302" tIns="66302" rIns="66302" bIns="66302">
+          <a:bodyPr lIns="75774" tIns="75774" rIns="75774" bIns="75774">
             <a:normAutofit fontScale="100000" lnSpcReduction="0"/>
           </a:bodyPr>
           <a:lstStyle/>
@@ -2090,8 +2090,8 @@
         </p:nvSpPr>
         <p:spPr>
           <a:xfrm>
-            <a:off x="18687532" y="25885154"/>
-            <a:ext cx="1020896" cy="1062267"/>
+            <a:off x="21222915" y="35853205"/>
+            <a:ext cx="1435267" cy="1502696"/>
           </a:xfrm>
           <a:prstGeom prst="rect">
             <a:avLst/>
@@ -2101,12 +2101,12 @@
           </a:ln>
         </p:spPr>
         <p:txBody>
-          <a:bodyPr wrap="none" lIns="66302" tIns="66302" rIns="66302" bIns="66302">
+          <a:bodyPr wrap="none" lIns="75774" tIns="75774" rIns="75774" bIns="75774">
             <a:spAutoFit/>
           </a:bodyPr>
           <a:lstStyle>
             <a:lvl1pPr>
-              <a:defRPr b="0" sz="6200">
+              <a:defRPr b="0" sz="9000">
                 <a:latin typeface="Helvetica Neue Light"/>
                 <a:ea typeface="Helvetica Neue Light"/>
                 <a:cs typeface="Helvetica Neue Light"/>
@@ -2140,7 +2140,7 @@
   <p:transition xmlns:p14="http://schemas.microsoft.com/office/powerpoint/2010/main" spd="med" advClick="1"/>
   <p:txStyles>
     <p:titleStyle>
-      <a:lvl1pPr marL="0" marR="0" indent="0" algn="ctr" defTabSz="2409825" rtl="0" latinLnBrk="0">
+      <a:lvl1pPr marL="0" marR="0" indent="0" algn="ctr" defTabSz="3505200" rtl="0" latinLnBrk="0">
         <a:lnSpc>
           <a:spcPct val="100000"/>
         </a:lnSpc>
@@ -2155,7 +2155,7 @@
         <a:buFontTx/>
         <a:buNone/>
         <a:tabLst/>
-        <a:defRPr b="0" baseline="0" cap="none" i="0" spc="0" strike="noStrike" sz="32000" u="none">
+        <a:defRPr b="0" baseline="0" cap="none" i="0" spc="0" strike="noStrike" sz="46400" u="none">
           <a:ln>
             <a:noFill/>
           </a:ln>
@@ -2169,7 +2169,7 @@
           <a:sym typeface="Helvetica Neue Medium"/>
         </a:defRPr>
       </a:lvl1pPr>
-      <a:lvl2pPr marL="0" marR="0" indent="0" algn="ctr" defTabSz="2409825" rtl="0" latinLnBrk="0">
+      <a:lvl2pPr marL="0" marR="0" indent="0" algn="ctr" defTabSz="3505200" rtl="0" latinLnBrk="0">
         <a:lnSpc>
           <a:spcPct val="100000"/>
         </a:lnSpc>
@@ -2184,7 +2184,7 @@
         <a:buFontTx/>
         <a:buNone/>
         <a:tabLst/>
-        <a:defRPr b="0" baseline="0" cap="none" i="0" spc="0" strike="noStrike" sz="32000" u="none">
+        <a:defRPr b="0" baseline="0" cap="none" i="0" spc="0" strike="noStrike" sz="46400" u="none">
           <a:ln>
             <a:noFill/>
           </a:ln>
@@ -2198,7 +2198,7 @@
           <a:sym typeface="Helvetica Neue Medium"/>
         </a:defRPr>
       </a:lvl2pPr>
-      <a:lvl3pPr marL="0" marR="0" indent="0" algn="ctr" defTabSz="2409825" rtl="0" latinLnBrk="0">
+      <a:lvl3pPr marL="0" marR="0" indent="0" algn="ctr" defTabSz="3505200" rtl="0" latinLnBrk="0">
         <a:lnSpc>
           <a:spcPct val="100000"/>
         </a:lnSpc>
@@ -2213,7 +2213,7 @@
         <a:buFontTx/>
         <a:buNone/>
         <a:tabLst/>
-        <a:defRPr b="0" baseline="0" cap="none" i="0" spc="0" strike="noStrike" sz="32000" u="none">
+        <a:defRPr b="0" baseline="0" cap="none" i="0" spc="0" strike="noStrike" sz="46400" u="none">
           <a:ln>
             <a:noFill/>
           </a:ln>
@@ -2227,7 +2227,7 @@
           <a:sym typeface="Helvetica Neue Medium"/>
         </a:defRPr>
       </a:lvl3pPr>
-      <a:lvl4pPr marL="0" marR="0" indent="0" algn="ctr" defTabSz="2409825" rtl="0" latinLnBrk="0">
+      <a:lvl4pPr marL="0" marR="0" indent="0" algn="ctr" defTabSz="3505200" rtl="0" latinLnBrk="0">
         <a:lnSpc>
           <a:spcPct val="100000"/>
         </a:lnSpc>
@@ -2242,7 +2242,7 @@
         <a:buFontTx/>
         <a:buNone/>
         <a:tabLst/>
-        <a:defRPr b="0" baseline="0" cap="none" i="0" spc="0" strike="noStrike" sz="32000" u="none">
+        <a:defRPr b="0" baseline="0" cap="none" i="0" spc="0" strike="noStrike" sz="46400" u="none">
           <a:ln>
             <a:noFill/>
           </a:ln>
@@ -2256,7 +2256,7 @@
           <a:sym typeface="Helvetica Neue Medium"/>
         </a:defRPr>
       </a:lvl4pPr>
-      <a:lvl5pPr marL="0" marR="0" indent="0" algn="ctr" defTabSz="2409825" rtl="0" latinLnBrk="0">
+      <a:lvl5pPr marL="0" marR="0" indent="0" algn="ctr" defTabSz="3505200" rtl="0" latinLnBrk="0">
         <a:lnSpc>
           <a:spcPct val="100000"/>
         </a:lnSpc>
@@ -2271,7 +2271,7 @@
         <a:buFontTx/>
         <a:buNone/>
         <a:tabLst/>
-        <a:defRPr b="0" baseline="0" cap="none" i="0" spc="0" strike="noStrike" sz="32000" u="none">
+        <a:defRPr b="0" baseline="0" cap="none" i="0" spc="0" strike="noStrike" sz="46400" u="none">
           <a:ln>
             <a:noFill/>
           </a:ln>
@@ -2285,7 +2285,7 @@
           <a:sym typeface="Helvetica Neue Medium"/>
         </a:defRPr>
       </a:lvl5pPr>
-      <a:lvl6pPr marL="0" marR="0" indent="0" algn="ctr" defTabSz="2409825" rtl="0" latinLnBrk="0">
+      <a:lvl6pPr marL="0" marR="0" indent="0" algn="ctr" defTabSz="3505200" rtl="0" latinLnBrk="0">
         <a:lnSpc>
           <a:spcPct val="100000"/>
         </a:lnSpc>
@@ -2300,7 +2300,7 @@
         <a:buFontTx/>
         <a:buNone/>
         <a:tabLst/>
-        <a:defRPr b="0" baseline="0" cap="none" i="0" spc="0" strike="noStrike" sz="32000" u="none">
+        <a:defRPr b="0" baseline="0" cap="none" i="0" spc="0" strike="noStrike" sz="46400" u="none">
           <a:ln>
             <a:noFill/>
           </a:ln>
@@ -2314,7 +2314,7 @@
           <a:sym typeface="Helvetica Neue Medium"/>
         </a:defRPr>
       </a:lvl6pPr>
-      <a:lvl7pPr marL="0" marR="0" indent="0" algn="ctr" defTabSz="2409825" rtl="0" latinLnBrk="0">
+      <a:lvl7pPr marL="0" marR="0" indent="0" algn="ctr" defTabSz="3505200" rtl="0" latinLnBrk="0">
         <a:lnSpc>
           <a:spcPct val="100000"/>
         </a:lnSpc>
@@ -2329,7 +2329,7 @@
         <a:buFontTx/>
         <a:buNone/>
         <a:tabLst/>
-        <a:defRPr b="0" baseline="0" cap="none" i="0" spc="0" strike="noStrike" sz="32000" u="none">
+        <a:defRPr b="0" baseline="0" cap="none" i="0" spc="0" strike="noStrike" sz="46400" u="none">
           <a:ln>
             <a:noFill/>
           </a:ln>
@@ -2343,7 +2343,7 @@
           <a:sym typeface="Helvetica Neue Medium"/>
         </a:defRPr>
       </a:lvl7pPr>
-      <a:lvl8pPr marL="0" marR="0" indent="0" algn="ctr" defTabSz="2409825" rtl="0" latinLnBrk="0">
+      <a:lvl8pPr marL="0" marR="0" indent="0" algn="ctr" defTabSz="3505200" rtl="0" latinLnBrk="0">
         <a:lnSpc>
           <a:spcPct val="100000"/>
         </a:lnSpc>
@@ -2358,7 +2358,7 @@
         <a:buFontTx/>
         <a:buNone/>
         <a:tabLst/>
-        <a:defRPr b="0" baseline="0" cap="none" i="0" spc="0" strike="noStrike" sz="32000" u="none">
+        <a:defRPr b="0" baseline="0" cap="none" i="0" spc="0" strike="noStrike" sz="46400" u="none">
           <a:ln>
             <a:noFill/>
           </a:ln>
@@ -2372,7 +2372,7 @@
           <a:sym typeface="Helvetica Neue Medium"/>
         </a:defRPr>
       </a:lvl8pPr>
-      <a:lvl9pPr marL="0" marR="0" indent="0" algn="ctr" defTabSz="2409825" rtl="0" latinLnBrk="0">
+      <a:lvl9pPr marL="0" marR="0" indent="0" algn="ctr" defTabSz="3505200" rtl="0" latinLnBrk="0">
         <a:lnSpc>
           <a:spcPct val="100000"/>
         </a:lnSpc>
@@ -2387,7 +2387,7 @@
         <a:buFontTx/>
         <a:buNone/>
         <a:tabLst/>
-        <a:defRPr b="0" baseline="0" cap="none" i="0" spc="0" strike="noStrike" sz="32000" u="none">
+        <a:defRPr b="0" baseline="0" cap="none" i="0" spc="0" strike="noStrike" sz="46400" u="none">
           <a:ln>
             <a:noFill/>
           </a:ln>
@@ -2403,7 +2403,7 @@
       </a:lvl9pPr>
     </p:titleStyle>
     <p:bodyStyle>
-      <a:lvl1pPr marL="0" marR="0" indent="0" algn="ctr" defTabSz="2409825" rtl="0" latinLnBrk="0">
+      <a:lvl1pPr marL="0" marR="0" indent="0" algn="ctr" defTabSz="3505200" rtl="0" latinLnBrk="0">
         <a:lnSpc>
           <a:spcPct val="100000"/>
         </a:lnSpc>
@@ -2418,7 +2418,7 @@
         <a:buFontTx/>
         <a:buNone/>
         <a:tabLst/>
-        <a:defRPr b="0" baseline="0" cap="none" i="0" spc="0" strike="noStrike" sz="14400" u="none">
+        <a:defRPr b="0" baseline="0" cap="none" i="0" spc="0" strike="noStrike" sz="20800" u="none">
           <a:ln>
             <a:noFill/>
           </a:ln>
@@ -2432,7 +2432,7 @@
           <a:sym typeface="Helvetica Neue"/>
         </a:defRPr>
       </a:lvl1pPr>
-      <a:lvl2pPr marL="0" marR="0" indent="0" algn="ctr" defTabSz="2409825" rtl="0" latinLnBrk="0">
+      <a:lvl2pPr marL="0" marR="0" indent="0" algn="ctr" defTabSz="3505200" rtl="0" latinLnBrk="0">
         <a:lnSpc>
           <a:spcPct val="100000"/>
         </a:lnSpc>
@@ -2447,7 +2447,7 @@
         <a:buFontTx/>
         <a:buNone/>
         <a:tabLst/>
-        <a:defRPr b="0" baseline="0" cap="none" i="0" spc="0" strike="noStrike" sz="14400" u="none">
+        <a:defRPr b="0" baseline="0" cap="none" i="0" spc="0" strike="noStrike" sz="20800" u="none">
           <a:ln>
             <a:noFill/>
           </a:ln>
@@ -2461,7 +2461,7 @@
           <a:sym typeface="Helvetica Neue"/>
         </a:defRPr>
       </a:lvl2pPr>
-      <a:lvl3pPr marL="0" marR="0" indent="0" algn="ctr" defTabSz="2409825" rtl="0" latinLnBrk="0">
+      <a:lvl3pPr marL="0" marR="0" indent="0" algn="ctr" defTabSz="3505200" rtl="0" latinLnBrk="0">
         <a:lnSpc>
           <a:spcPct val="100000"/>
         </a:lnSpc>
@@ -2476,7 +2476,7 @@
         <a:buFontTx/>
         <a:buNone/>
         <a:tabLst/>
-        <a:defRPr b="0" baseline="0" cap="none" i="0" spc="0" strike="noStrike" sz="14400" u="none">
+        <a:defRPr b="0" baseline="0" cap="none" i="0" spc="0" strike="noStrike" sz="20800" u="none">
           <a:ln>
             <a:noFill/>
           </a:ln>
@@ -2490,7 +2490,7 @@
           <a:sym typeface="Helvetica Neue"/>
         </a:defRPr>
       </a:lvl3pPr>
-      <a:lvl4pPr marL="0" marR="0" indent="0" algn="ctr" defTabSz="2409825" rtl="0" latinLnBrk="0">
+      <a:lvl4pPr marL="0" marR="0" indent="0" algn="ctr" defTabSz="3505200" rtl="0" latinLnBrk="0">
         <a:lnSpc>
           <a:spcPct val="100000"/>
         </a:lnSpc>
@@ -2505,7 +2505,7 @@
         <a:buFontTx/>
         <a:buNone/>
         <a:tabLst/>
-        <a:defRPr b="0" baseline="0" cap="none" i="0" spc="0" strike="noStrike" sz="14400" u="none">
+        <a:defRPr b="0" baseline="0" cap="none" i="0" spc="0" strike="noStrike" sz="20800" u="none">
           <a:ln>
             <a:noFill/>
           </a:ln>
@@ -2519,7 +2519,7 @@
           <a:sym typeface="Helvetica Neue"/>
         </a:defRPr>
       </a:lvl4pPr>
-      <a:lvl5pPr marL="0" marR="0" indent="0" algn="ctr" defTabSz="2409825" rtl="0" latinLnBrk="0">
+      <a:lvl5pPr marL="0" marR="0" indent="0" algn="ctr" defTabSz="3505200" rtl="0" latinLnBrk="0">
         <a:lnSpc>
           <a:spcPct val="100000"/>
         </a:lnSpc>
@@ -2534,7 +2534,7 @@
         <a:buFontTx/>
         <a:buNone/>
         <a:tabLst/>
-        <a:defRPr b="0" baseline="0" cap="none" i="0" spc="0" strike="noStrike" sz="14400" u="none">
+        <a:defRPr b="0" baseline="0" cap="none" i="0" spc="0" strike="noStrike" sz="20800" u="none">
           <a:ln>
             <a:noFill/>
           </a:ln>
@@ -2548,7 +2548,7 @@
           <a:sym typeface="Helvetica Neue"/>
         </a:defRPr>
       </a:lvl5pPr>
-      <a:lvl6pPr marL="0" marR="0" indent="0" algn="ctr" defTabSz="2409825" rtl="0" latinLnBrk="0">
+      <a:lvl6pPr marL="0" marR="0" indent="0" algn="ctr" defTabSz="3505200" rtl="0" latinLnBrk="0">
         <a:lnSpc>
           <a:spcPct val="100000"/>
         </a:lnSpc>
@@ -2563,7 +2563,7 @@
         <a:buFontTx/>
         <a:buNone/>
         <a:tabLst/>
-        <a:defRPr b="0" baseline="0" cap="none" i="0" spc="0" strike="noStrike" sz="14400" u="none">
+        <a:defRPr b="0" baseline="0" cap="none" i="0" spc="0" strike="noStrike" sz="20800" u="none">
           <a:ln>
             <a:noFill/>
           </a:ln>
@@ -2577,7 +2577,7 @@
           <a:sym typeface="Helvetica Neue"/>
         </a:defRPr>
       </a:lvl6pPr>
-      <a:lvl7pPr marL="0" marR="0" indent="0" algn="ctr" defTabSz="2409825" rtl="0" latinLnBrk="0">
+      <a:lvl7pPr marL="0" marR="0" indent="0" algn="ctr" defTabSz="3505200" rtl="0" latinLnBrk="0">
         <a:lnSpc>
           <a:spcPct val="100000"/>
         </a:lnSpc>
@@ -2592,7 +2592,7 @@
         <a:buFontTx/>
         <a:buNone/>
         <a:tabLst/>
-        <a:defRPr b="0" baseline="0" cap="none" i="0" spc="0" strike="noStrike" sz="14400" u="none">
+        <a:defRPr b="0" baseline="0" cap="none" i="0" spc="0" strike="noStrike" sz="20800" u="none">
           <a:ln>
             <a:noFill/>
           </a:ln>
@@ -2606,7 +2606,7 @@
           <a:sym typeface="Helvetica Neue"/>
         </a:defRPr>
       </a:lvl7pPr>
-      <a:lvl8pPr marL="0" marR="0" indent="0" algn="ctr" defTabSz="2409825" rtl="0" latinLnBrk="0">
+      <a:lvl8pPr marL="0" marR="0" indent="0" algn="ctr" defTabSz="3505200" rtl="0" latinLnBrk="0">
         <a:lnSpc>
           <a:spcPct val="100000"/>
         </a:lnSpc>
@@ -2621,7 +2621,7 @@
         <a:buFontTx/>
         <a:buNone/>
         <a:tabLst/>
-        <a:defRPr b="0" baseline="0" cap="none" i="0" spc="0" strike="noStrike" sz="14400" u="none">
+        <a:defRPr b="0" baseline="0" cap="none" i="0" spc="0" strike="noStrike" sz="20800" u="none">
           <a:ln>
             <a:noFill/>
           </a:ln>
@@ -2635,7 +2635,7 @@
           <a:sym typeface="Helvetica Neue"/>
         </a:defRPr>
       </a:lvl8pPr>
-      <a:lvl9pPr marL="0" marR="0" indent="0" algn="ctr" defTabSz="2409825" rtl="0" latinLnBrk="0">
+      <a:lvl9pPr marL="0" marR="0" indent="0" algn="ctr" defTabSz="3505200" rtl="0" latinLnBrk="0">
         <a:lnSpc>
           <a:spcPct val="100000"/>
         </a:lnSpc>
@@ -2650,7 +2650,7 @@
         <a:buFontTx/>
         <a:buNone/>
         <a:tabLst/>
-        <a:defRPr b="0" baseline="0" cap="none" i="0" spc="0" strike="noStrike" sz="14400" u="none">
+        <a:defRPr b="0" baseline="0" cap="none" i="0" spc="0" strike="noStrike" sz="20800" u="none">
           <a:ln>
             <a:noFill/>
           </a:ln>
@@ -2666,7 +2666,7 @@
       </a:lvl9pPr>
     </p:bodyStyle>
     <p:otherStyle>
-      <a:lvl1pPr marL="0" marR="0" indent="0" algn="ctr" defTabSz="2409825" latinLnBrk="0">
+      <a:lvl1pPr marL="0" marR="0" indent="0" algn="ctr" defTabSz="3505200" latinLnBrk="0">
         <a:lnSpc>
           <a:spcPct val="100000"/>
         </a:lnSpc>
@@ -2681,7 +2681,7 @@
         <a:buFontTx/>
         <a:buNone/>
         <a:tabLst/>
-        <a:defRPr b="0" baseline="0" cap="none" i="0" spc="0" strike="noStrike" sz="6200" u="none">
+        <a:defRPr b="0" baseline="0" cap="none" i="0" spc="0" strike="noStrike" sz="9000" u="none">
           <a:ln>
             <a:noFill/>
           </a:ln>
@@ -2695,7 +2695,7 @@
           <a:sym typeface="Helvetica Neue Light"/>
         </a:defRPr>
       </a:lvl1pPr>
-      <a:lvl2pPr marL="0" marR="0" indent="228600" algn="ctr" defTabSz="2409825" latinLnBrk="0">
+      <a:lvl2pPr marL="0" marR="0" indent="228600" algn="ctr" defTabSz="3505200" latinLnBrk="0">
         <a:lnSpc>
           <a:spcPct val="100000"/>
         </a:lnSpc>
@@ -2710,7 +2710,7 @@
         <a:buFontTx/>
         <a:buNone/>
         <a:tabLst/>
-        <a:defRPr b="0" baseline="0" cap="none" i="0" spc="0" strike="noStrike" sz="6200" u="none">
+        <a:defRPr b="0" baseline="0" cap="none" i="0" spc="0" strike="noStrike" sz="9000" u="none">
           <a:ln>
             <a:noFill/>
           </a:ln>
@@ -2724,7 +2724,7 @@
           <a:sym typeface="Helvetica Neue Light"/>
         </a:defRPr>
       </a:lvl2pPr>
-      <a:lvl3pPr marL="0" marR="0" indent="457200" algn="ctr" defTabSz="2409825" latinLnBrk="0">
+      <a:lvl3pPr marL="0" marR="0" indent="457200" algn="ctr" defTabSz="3505200" latinLnBrk="0">
         <a:lnSpc>
           <a:spcPct val="100000"/>
         </a:lnSpc>
@@ -2739,7 +2739,7 @@
         <a:buFontTx/>
         <a:buNone/>
         <a:tabLst/>
-        <a:defRPr b="0" baseline="0" cap="none" i="0" spc="0" strike="noStrike" sz="6200" u="none">
+        <a:defRPr b="0" baseline="0" cap="none" i="0" spc="0" strike="noStrike" sz="9000" u="none">
           <a:ln>
             <a:noFill/>
           </a:ln>
@@ -2753,7 +2753,7 @@
           <a:sym typeface="Helvetica Neue Light"/>
         </a:defRPr>
       </a:lvl3pPr>
-      <a:lvl4pPr marL="0" marR="0" indent="685800" algn="ctr" defTabSz="2409825" latinLnBrk="0">
+      <a:lvl4pPr marL="0" marR="0" indent="685800" algn="ctr" defTabSz="3505200" latinLnBrk="0">
         <a:lnSpc>
           <a:spcPct val="100000"/>
         </a:lnSpc>
@@ -2768,7 +2768,7 @@
         <a:buFontTx/>
         <a:buNone/>
         <a:tabLst/>
-        <a:defRPr b="0" baseline="0" cap="none" i="0" spc="0" strike="noStrike" sz="6200" u="none">
+        <a:defRPr b="0" baseline="0" cap="none" i="0" spc="0" strike="noStrike" sz="9000" u="none">
           <a:ln>
             <a:noFill/>
           </a:ln>
@@ -2782,7 +2782,7 @@
           <a:sym typeface="Helvetica Neue Light"/>
         </a:defRPr>
       </a:lvl4pPr>
-      <a:lvl5pPr marL="0" marR="0" indent="914400" algn="ctr" defTabSz="2409825" latinLnBrk="0">
+      <a:lvl5pPr marL="0" marR="0" indent="914400" algn="ctr" defTabSz="3505200" latinLnBrk="0">
         <a:lnSpc>
           <a:spcPct val="100000"/>
         </a:lnSpc>
@@ -2797,7 +2797,7 @@
         <a:buFontTx/>
         <a:buNone/>
         <a:tabLst/>
-        <a:defRPr b="0" baseline="0" cap="none" i="0" spc="0" strike="noStrike" sz="6200" u="none">
+        <a:defRPr b="0" baseline="0" cap="none" i="0" spc="0" strike="noStrike" sz="9000" u="none">
           <a:ln>
             <a:noFill/>
           </a:ln>
@@ -2811,7 +2811,7 @@
           <a:sym typeface="Helvetica Neue Light"/>
         </a:defRPr>
       </a:lvl5pPr>
-      <a:lvl6pPr marL="0" marR="0" indent="1143000" algn="ctr" defTabSz="2409825" latinLnBrk="0">
+      <a:lvl6pPr marL="0" marR="0" indent="1143000" algn="ctr" defTabSz="3505200" latinLnBrk="0">
         <a:lnSpc>
           <a:spcPct val="100000"/>
         </a:lnSpc>
@@ -2826,7 +2826,7 @@
         <a:buFontTx/>
         <a:buNone/>
         <a:tabLst/>
-        <a:defRPr b="0" baseline="0" cap="none" i="0" spc="0" strike="noStrike" sz="6200" u="none">
+        <a:defRPr b="0" baseline="0" cap="none" i="0" spc="0" strike="noStrike" sz="9000" u="none">
           <a:ln>
             <a:noFill/>
           </a:ln>
@@ -2840,7 +2840,7 @@
           <a:sym typeface="Helvetica Neue Light"/>
         </a:defRPr>
       </a:lvl6pPr>
-      <a:lvl7pPr marL="0" marR="0" indent="1371600" algn="ctr" defTabSz="2409825" latinLnBrk="0">
+      <a:lvl7pPr marL="0" marR="0" indent="1371600" algn="ctr" defTabSz="3505200" latinLnBrk="0">
         <a:lnSpc>
           <a:spcPct val="100000"/>
         </a:lnSpc>
@@ -2855,7 +2855,7 @@
         <a:buFontTx/>
         <a:buNone/>
         <a:tabLst/>
-        <a:defRPr b="0" baseline="0" cap="none" i="0" spc="0" strike="noStrike" sz="6200" u="none">
+        <a:defRPr b="0" baseline="0" cap="none" i="0" spc="0" strike="noStrike" sz="9000" u="none">
           <a:ln>
             <a:noFill/>
           </a:ln>
@@ -2869,7 +2869,7 @@
           <a:sym typeface="Helvetica Neue Light"/>
         </a:defRPr>
       </a:lvl7pPr>
-      <a:lvl8pPr marL="0" marR="0" indent="1600200" algn="ctr" defTabSz="2409825" latinLnBrk="0">
+      <a:lvl8pPr marL="0" marR="0" indent="1600200" algn="ctr" defTabSz="3505200" latinLnBrk="0">
         <a:lnSpc>
           <a:spcPct val="100000"/>
         </a:lnSpc>
@@ -2884,7 +2884,7 @@
         <a:buFontTx/>
         <a:buNone/>
         <a:tabLst/>
-        <a:defRPr b="0" baseline="0" cap="none" i="0" spc="0" strike="noStrike" sz="6200" u="none">
+        <a:defRPr b="0" baseline="0" cap="none" i="0" spc="0" strike="noStrike" sz="9000" u="none">
           <a:ln>
             <a:noFill/>
           </a:ln>
@@ -2898,7 +2898,7 @@
           <a:sym typeface="Helvetica Neue Light"/>
         </a:defRPr>
       </a:lvl8pPr>
-      <a:lvl9pPr marL="0" marR="0" indent="1828800" algn="ctr" defTabSz="2409825" latinLnBrk="0">
+      <a:lvl9pPr marL="0" marR="0" indent="1828800" algn="ctr" defTabSz="3505200" latinLnBrk="0">
         <a:lnSpc>
           <a:spcPct val="100000"/>
         </a:lnSpc>
@@ -2913,7 +2913,7 @@
         <a:buFontTx/>
         <a:buNone/>
         <a:tabLst/>
-        <a:defRPr b="0" baseline="0" cap="none" i="0" spc="0" strike="noStrike" sz="6200" u="none">
+        <a:defRPr b="0" baseline="0" cap="none" i="0" spc="0" strike="noStrike" sz="9000" u="none">
           <a:ln>
             <a:noFill/>
           </a:ln>
@@ -2964,13 +2964,13 @@
         </p:nvSpPr>
         <p:spPr>
           <a:xfrm>
-            <a:off x="2854436" y="23865172"/>
-            <a:ext cx="32949927" cy="9714215"/>
+            <a:off x="3117070" y="33721587"/>
+            <a:ext cx="37657061" cy="16066374"/>
           </a:xfrm>
           <a:prstGeom prst="rect">
             <a:avLst/>
           </a:prstGeom>
-          <a:ln w="177800">
+          <a:ln w="203200">
             <a:solidFill>
               <a:srgbClr val="000000"/>
             </a:solidFill>
@@ -2978,11 +2978,11 @@
           </a:ln>
         </p:spPr>
         <p:txBody>
-          <a:bodyPr lIns="66302" tIns="66302" rIns="66302" bIns="66302" anchor="ctr"/>
+          <a:bodyPr lIns="75774" tIns="75774" rIns="75774" bIns="75774" anchor="ctr"/>
           <a:lstStyle/>
           <a:p>
             <a:pPr>
-              <a:defRPr b="0" sz="8000">
+              <a:defRPr b="0" sz="11600">
                 <a:latin typeface="+mn-lt"/>
                 <a:ea typeface="+mn-ea"/>
                 <a:cs typeface="+mn-cs"/>
@@ -3000,13 +3000,13 @@
         </p:nvSpPr>
         <p:spPr>
           <a:xfrm>
-            <a:off x="2854436" y="34956218"/>
-            <a:ext cx="16539583" cy="3225137"/>
+            <a:off x="3117069" y="51628176"/>
+            <a:ext cx="18902382" cy="3685871"/>
           </a:xfrm>
           <a:prstGeom prst="rect">
             <a:avLst/>
           </a:prstGeom>
-          <a:ln w="177800">
+          <a:ln w="203200">
             <a:solidFill>
               <a:srgbClr val="000000"/>
             </a:solidFill>
@@ -3014,11 +3014,11 @@
           </a:ln>
         </p:spPr>
         <p:txBody>
-          <a:bodyPr lIns="66302" tIns="66302" rIns="66302" bIns="66302" anchor="ctr"/>
+          <a:bodyPr lIns="75774" tIns="75774" rIns="75774" bIns="75774" anchor="ctr"/>
           <a:lstStyle/>
           <a:p>
             <a:pPr>
-              <a:defRPr b="0" sz="8000">
+              <a:defRPr b="0" sz="11600">
                 <a:latin typeface="+mn-lt"/>
                 <a:ea typeface="+mn-ea"/>
                 <a:cs typeface="+mn-cs"/>
@@ -3036,13 +3036,13 @@
         </p:nvSpPr>
         <p:spPr>
           <a:xfrm>
-            <a:off x="2727436" y="17997863"/>
-            <a:ext cx="32949927" cy="4237874"/>
+            <a:off x="3117070" y="23882057"/>
+            <a:ext cx="37657060" cy="8126044"/>
           </a:xfrm>
           <a:prstGeom prst="rect">
             <a:avLst/>
           </a:prstGeom>
-          <a:ln w="177800">
+          <a:ln w="203200">
             <a:solidFill>
               <a:srgbClr val="000000"/>
             </a:solidFill>
@@ -3050,11 +3050,11 @@
           </a:ln>
         </p:spPr>
         <p:txBody>
-          <a:bodyPr lIns="66302" tIns="66302" rIns="66302" bIns="66302" anchor="ctr"/>
+          <a:bodyPr lIns="75774" tIns="75774" rIns="75774" bIns="75774" anchor="ctr"/>
           <a:lstStyle/>
           <a:p>
             <a:pPr>
-              <a:defRPr b="0" sz="8000">
+              <a:defRPr b="0" sz="11600">
                 <a:latin typeface="+mn-lt"/>
                 <a:ea typeface="+mn-ea"/>
                 <a:cs typeface="+mn-cs"/>
@@ -3072,13 +3072,13 @@
         </p:nvSpPr>
         <p:spPr>
           <a:xfrm>
-            <a:off x="2727436" y="12402487"/>
-            <a:ext cx="32949927" cy="4237874"/>
+            <a:off x="3437662" y="17325286"/>
+            <a:ext cx="37657062" cy="4843285"/>
           </a:xfrm>
           <a:prstGeom prst="rect">
             <a:avLst/>
           </a:prstGeom>
-          <a:ln w="177800">
+          <a:ln w="203200">
             <a:solidFill>
               <a:srgbClr val="000000"/>
             </a:solidFill>
@@ -3086,11 +3086,11 @@
           </a:ln>
         </p:spPr>
         <p:txBody>
-          <a:bodyPr lIns="66302" tIns="66302" rIns="66302" bIns="66302" anchor="ctr"/>
+          <a:bodyPr lIns="75774" tIns="75774" rIns="75774" bIns="75774" anchor="ctr"/>
           <a:lstStyle/>
           <a:p>
             <a:pPr>
-              <a:defRPr b="0" sz="8000">
+              <a:defRPr b="0" sz="11600">
                 <a:latin typeface="+mn-lt"/>
                 <a:ea typeface="+mn-ea"/>
                 <a:cs typeface="+mn-cs"/>
@@ -3108,8 +3108,8 @@
         </p:nvSpPr>
         <p:spPr>
           <a:xfrm>
-            <a:off x="1139879" y="1099583"/>
-            <a:ext cx="36125043" cy="6496671"/>
+            <a:off x="1500833" y="1636613"/>
+            <a:ext cx="40889533" cy="10212875"/>
           </a:xfrm>
           <a:prstGeom prst="rect">
             <a:avLst/>
@@ -3122,11 +3122,11 @@
           </a:ln>
         </p:spPr>
         <p:txBody>
-          <a:bodyPr lIns="66302" tIns="66302" rIns="66302" bIns="66302" anchor="ctr"/>
+          <a:bodyPr lIns="75774" tIns="75774" rIns="75774" bIns="75774" anchor="ctr"/>
           <a:lstStyle/>
           <a:p>
             <a:pPr>
-              <a:defRPr b="0" sz="8000">
+              <a:defRPr b="0" sz="11600">
                 <a:solidFill>
                   <a:schemeClr val="accent1">
                     <a:lumOff val="13529"/>
@@ -3149,13 +3149,13 @@
         </p:nvSpPr>
         <p:spPr>
           <a:xfrm>
-            <a:off x="1228779" y="1188483"/>
-            <a:ext cx="35947243" cy="37856633"/>
+            <a:off x="1404320" y="1591534"/>
+            <a:ext cx="41082563" cy="55338533"/>
           </a:xfrm>
           <a:prstGeom prst="rect">
             <a:avLst/>
           </a:prstGeom>
-          <a:ln w="177800">
+          <a:ln w="203200">
             <a:solidFill>
               <a:srgbClr val="000000"/>
             </a:solidFill>
@@ -3163,11 +3163,11 @@
           </a:ln>
         </p:spPr>
         <p:txBody>
-          <a:bodyPr lIns="66302" tIns="66302" rIns="66302" bIns="66302" anchor="ctr"/>
+          <a:bodyPr lIns="75774" tIns="75774" rIns="75774" bIns="75774" anchor="ctr"/>
           <a:lstStyle/>
           <a:p>
             <a:pPr>
-              <a:defRPr b="0" sz="8000">
+              <a:defRPr b="0" sz="11600">
                 <a:latin typeface="+mn-lt"/>
                 <a:ea typeface="+mn-ea"/>
                 <a:cs typeface="+mn-cs"/>
@@ -3185,13 +3185,13 @@
         </p:nvSpPr>
         <p:spPr>
           <a:xfrm>
-            <a:off x="1139879" y="7520053"/>
-            <a:ext cx="36125043" cy="1"/>
+            <a:off x="1302720" y="11951087"/>
+            <a:ext cx="41285764" cy="1"/>
           </a:xfrm>
           <a:prstGeom prst="line">
             <a:avLst/>
           </a:prstGeom>
-          <a:ln w="177800">
+          <a:ln w="203200">
             <a:solidFill>
               <a:srgbClr val="000000"/>
             </a:solidFill>
@@ -3199,11 +3199,11 @@
           </a:ln>
         </p:spPr>
         <p:txBody>
-          <a:bodyPr lIns="66302" tIns="66302" rIns="66302" bIns="66302" anchor="ctr"/>
+          <a:bodyPr lIns="75774" tIns="75774" rIns="75774" bIns="75774" anchor="ctr"/>
           <a:lstStyle/>
           <a:p>
             <a:pPr>
-              <a:defRPr b="0" sz="8000">
+              <a:defRPr b="0" sz="11600">
                 <a:latin typeface="+mn-lt"/>
                 <a:ea typeface="+mn-ea"/>
                 <a:cs typeface="+mn-cs"/>
@@ -3221,8 +3221,8 @@
         </p:nvSpPr>
         <p:spPr>
           <a:xfrm>
-            <a:off x="2638537" y="2059115"/>
-            <a:ext cx="33127727" cy="4577607"/>
+            <a:off x="1740301" y="1828575"/>
+            <a:ext cx="39844490" cy="9828951"/>
           </a:xfrm>
           <a:prstGeom prst="rect">
             <a:avLst/>
@@ -3237,13 +3237,13 @@
           </a:extLst>
         </p:spPr>
         <p:txBody>
-          <a:bodyPr lIns="66302" tIns="66302" rIns="66302" bIns="66302" anchor="ctr">
+          <a:bodyPr lIns="75774" tIns="75774" rIns="75774" bIns="75774" anchor="ctr">
             <a:spAutoFit/>
           </a:bodyPr>
           <a:lstStyle/>
           <a:p>
             <a:pPr algn="r">
-              <a:defRPr b="0" sz="14400">
+              <a:defRPr b="0" sz="20800">
                 <a:solidFill>
                   <a:srgbClr val="000000"/>
                 </a:solidFill>
@@ -3273,13 +3273,13 @@
         </p:nvSpPr>
         <p:spPr>
           <a:xfrm>
-            <a:off x="1139879" y="10482168"/>
-            <a:ext cx="36125043" cy="1"/>
+            <a:off x="1302719" y="15611799"/>
+            <a:ext cx="41285764" cy="1"/>
           </a:xfrm>
           <a:prstGeom prst="line">
             <a:avLst/>
           </a:prstGeom>
-          <a:ln w="177800">
+          <a:ln w="203200">
             <a:solidFill>
               <a:srgbClr val="000000"/>
             </a:solidFill>
@@ -3287,11 +3287,11 @@
           </a:ln>
         </p:spPr>
         <p:txBody>
-          <a:bodyPr lIns="66302" tIns="66302" rIns="66302" bIns="66302" anchor="ctr"/>
+          <a:bodyPr lIns="75774" tIns="75774" rIns="75774" bIns="75774" anchor="ctr"/>
           <a:lstStyle/>
           <a:p>
             <a:pPr>
-              <a:defRPr b="0" sz="8000">
+              <a:defRPr b="0" sz="11600">
                 <a:latin typeface="+mn-lt"/>
                 <a:ea typeface="+mn-ea"/>
                 <a:cs typeface="+mn-cs"/>
@@ -3309,8 +3309,8 @@
         </p:nvSpPr>
         <p:spPr>
           <a:xfrm>
-            <a:off x="2638537" y="7963258"/>
-            <a:ext cx="4668657" cy="2063007"/>
+            <a:off x="3015470" y="12439130"/>
+            <a:ext cx="5335609" cy="2945550"/>
           </a:xfrm>
           <a:prstGeom prst="rect">
             <a:avLst/>
@@ -3325,12 +3325,12 @@
           </a:extLst>
         </p:spPr>
         <p:txBody>
-          <a:bodyPr lIns="66302" tIns="66302" rIns="66302" bIns="66302" anchor="ctr">
+          <a:bodyPr lIns="75774" tIns="75774" rIns="75774" bIns="75774" anchor="ctr">
             <a:spAutoFit/>
           </a:bodyPr>
           <a:lstStyle>
             <a:lvl1pPr>
-              <a:defRPr b="0" sz="6200">
+              <a:defRPr b="0" sz="9000">
                 <a:solidFill>
                   <a:srgbClr val="000000"/>
                 </a:solidFill>
@@ -3357,8 +3357,8 @@
         </p:nvSpPr>
         <p:spPr>
           <a:xfrm>
-            <a:off x="20771032" y="8312508"/>
-            <a:ext cx="14995231" cy="1377207"/>
+            <a:off x="19434111" y="12759518"/>
+            <a:ext cx="22230563" cy="1942251"/>
           </a:xfrm>
           <a:prstGeom prst="rect">
             <a:avLst/>
@@ -3373,13 +3373,13 @@
           </a:extLst>
         </p:spPr>
         <p:txBody>
-          <a:bodyPr lIns="66302" tIns="66302" rIns="66302" bIns="66302" anchor="ctr">
+          <a:bodyPr lIns="75774" tIns="75774" rIns="75774" bIns="75774" anchor="ctr">
             <a:spAutoFit/>
           </a:bodyPr>
           <a:lstStyle/>
           <a:p>
             <a:pPr>
-              <a:defRPr b="0" sz="8000">
+              <a:defRPr b="0" sz="11600">
                 <a:solidFill>
                   <a:srgbClr val="FFFD0A"/>
                 </a:solidFill>
@@ -3411,8 +3411,8 @@
         </p:nvSpPr>
         <p:spPr>
           <a:xfrm>
-            <a:off x="20686581" y="11308336"/>
-            <a:ext cx="16404989" cy="1466135"/>
+            <a:off x="23641807" y="16434339"/>
+            <a:ext cx="18748559" cy="1675583"/>
           </a:xfrm>
           <a:prstGeom prst="rect">
             <a:avLst/>
@@ -3425,11 +3425,11 @@
           </a:ln>
         </p:spPr>
         <p:txBody>
-          <a:bodyPr lIns="66302" tIns="66302" rIns="66302" bIns="66302" anchor="ctr"/>
+          <a:bodyPr lIns="75774" tIns="75774" rIns="75774" bIns="75774" anchor="ctr"/>
           <a:lstStyle/>
           <a:p>
             <a:pPr>
-              <a:defRPr b="0" sz="8000">
+              <a:defRPr b="0" sz="11600">
                 <a:solidFill>
                   <a:schemeClr val="accent1">
                     <a:lumOff val="13529"/>
@@ -3452,8 +3452,8 @@
         </p:nvSpPr>
         <p:spPr>
           <a:xfrm>
-            <a:off x="21391460" y="11352801"/>
-            <a:ext cx="14995231" cy="1377206"/>
+            <a:off x="24447383" y="16301005"/>
+            <a:ext cx="17137408" cy="1942250"/>
           </a:xfrm>
           <a:prstGeom prst="rect">
             <a:avLst/>
@@ -3468,12 +3468,12 @@
           </a:extLst>
         </p:spPr>
         <p:txBody>
-          <a:bodyPr lIns="66302" tIns="66302" rIns="66302" bIns="66302" anchor="ctr">
+          <a:bodyPr lIns="75774" tIns="75774" rIns="75774" bIns="75774" anchor="ctr">
             <a:spAutoFit/>
           </a:bodyPr>
           <a:lstStyle>
             <a:lvl1pPr>
-              <a:defRPr b="0" sz="8000">
+              <a:defRPr b="0" sz="11600">
                 <a:solidFill>
                   <a:srgbClr val="000000"/>
                 </a:solidFill>
@@ -3511,8 +3511,8 @@
         </p:nvSpPr>
         <p:spPr>
           <a:xfrm>
-            <a:off x="3857501" y="12597799"/>
-            <a:ext cx="31250837" cy="3847250"/>
+            <a:off x="4976676" y="18243254"/>
+            <a:ext cx="35700021" cy="3613317"/>
           </a:xfrm>
           <a:prstGeom prst="rect">
             <a:avLst/>
@@ -3527,16 +3527,16 @@
           </a:extLst>
         </p:spPr>
         <p:txBody>
-          <a:bodyPr lIns="66302" tIns="66302" rIns="66302" bIns="66302" numCol="2" spcCol="1562541" anchor="ctr"/>
+          <a:bodyPr lIns="75774" tIns="75774" rIns="75774" bIns="75774" numCol="2" spcCol="1785000" anchor="ctr"/>
           <a:lstStyle/>
           <a:p>
-            <a:pPr marL="861218" indent="-861218" algn="l">
+            <a:pPr marL="1250156" indent="-1250156" algn="l">
               <a:lnSpc>
                 <a:spcPct val="120000"/>
               </a:lnSpc>
               <a:buSzPct val="145000"/>
               <a:buChar char="•"/>
-              <a:defRPr b="0" sz="6200">
+              <a:defRPr b="0" sz="7000">
                 <a:solidFill>
                   <a:srgbClr val="000000"/>
                 </a:solidFill>
@@ -3551,13 +3551,13 @@
             </a:r>
           </a:p>
           <a:p>
-            <a:pPr marL="861218" indent="-861218" algn="l">
+            <a:pPr marL="1250156" indent="-1250156" algn="l">
               <a:lnSpc>
                 <a:spcPct val="120000"/>
               </a:lnSpc>
               <a:buSzPct val="145000"/>
               <a:buChar char="•"/>
-              <a:defRPr b="0" sz="6200">
+              <a:defRPr b="0" sz="7000">
                 <a:solidFill>
                   <a:srgbClr val="000000"/>
                 </a:solidFill>
@@ -3572,13 +3572,13 @@
             </a:r>
           </a:p>
           <a:p>
-            <a:pPr marL="861218" indent="-861218" algn="l">
+            <a:pPr marL="1250156" indent="-1250156" algn="l">
               <a:lnSpc>
                 <a:spcPct val="120000"/>
               </a:lnSpc>
               <a:buSzPct val="145000"/>
               <a:buChar char="•"/>
-              <a:defRPr b="0" sz="6200">
+              <a:defRPr b="0" sz="7000">
                 <a:solidFill>
                   <a:srgbClr val="000000"/>
                 </a:solidFill>
@@ -3589,17 +3589,17 @@
               </a:defRPr>
             </a:pPr>
             <a:r>
-              <a:t>No plot necessary</a:t>
+              <a:t>Maybe throw a plot in</a:t>
             </a:r>
           </a:p>
           <a:p>
-            <a:pPr marL="861218" indent="-861218" algn="l">
+            <a:pPr marL="1250156" indent="-1250156" algn="l">
               <a:lnSpc>
                 <a:spcPct val="120000"/>
               </a:lnSpc>
               <a:buSzPct val="145000"/>
               <a:buChar char="•"/>
-              <a:defRPr b="0" sz="6200">
+              <a:defRPr b="0" sz="7000">
                 <a:solidFill>
                   <a:srgbClr val="000000"/>
                 </a:solidFill>
@@ -3645,8 +3645,8 @@
         </p:nvSpPr>
         <p:spPr>
           <a:xfrm>
-            <a:off x="1304738" y="17254179"/>
-            <a:ext cx="16404988" cy="1466135"/>
+            <a:off x="1491128" y="22957189"/>
+            <a:ext cx="18748559" cy="1675582"/>
           </a:xfrm>
           <a:prstGeom prst="rect">
             <a:avLst/>
@@ -3659,11 +3659,11 @@
           </a:ln>
         </p:spPr>
         <p:txBody>
-          <a:bodyPr lIns="66302" tIns="66302" rIns="66302" bIns="66302" anchor="ctr"/>
+          <a:bodyPr lIns="75774" tIns="75774" rIns="75774" bIns="75774" anchor="ctr"/>
           <a:lstStyle/>
           <a:p>
             <a:pPr>
-              <a:defRPr b="0" sz="8000">
+              <a:defRPr b="0" sz="11600">
                 <a:solidFill>
                   <a:schemeClr val="accent1">
                     <a:lumOff val="13529"/>
@@ -3686,8 +3686,8 @@
         </p:nvSpPr>
         <p:spPr>
           <a:xfrm>
-            <a:off x="2009616" y="17298644"/>
-            <a:ext cx="14995232" cy="1377206"/>
+            <a:off x="2296703" y="22823855"/>
+            <a:ext cx="17137408" cy="1942250"/>
           </a:xfrm>
           <a:prstGeom prst="rect">
             <a:avLst/>
@@ -3702,12 +3702,12 @@
           </a:extLst>
         </p:spPr>
         <p:txBody>
-          <a:bodyPr lIns="66302" tIns="66302" rIns="66302" bIns="66302" anchor="ctr">
+          <a:bodyPr lIns="75774" tIns="75774" rIns="75774" bIns="75774" anchor="ctr">
             <a:spAutoFit/>
           </a:bodyPr>
           <a:lstStyle>
             <a:lvl1pPr>
-              <a:defRPr b="0" sz="8000">
+              <a:defRPr b="0" sz="11600">
                 <a:solidFill>
                   <a:srgbClr val="000000"/>
                 </a:solidFill>
@@ -3745,8 +3745,8 @@
         </p:nvSpPr>
         <p:spPr>
           <a:xfrm>
-            <a:off x="3633635" y="18851483"/>
-            <a:ext cx="31698569" cy="3068006"/>
+            <a:off x="4152725" y="25964010"/>
+            <a:ext cx="36226937" cy="3962139"/>
           </a:xfrm>
           <a:prstGeom prst="rect">
             <a:avLst/>
@@ -3761,10 +3761,10 @@
           </a:extLst>
         </p:spPr>
         <p:txBody>
-          <a:bodyPr lIns="66302" tIns="66302" rIns="66302" bIns="66302" numCol="2" spcCol="1584928" anchor="ctr"/>
+          <a:bodyPr lIns="75774" tIns="75774" rIns="75774" bIns="75774" numCol="2" spcCol="1811346" anchor="ctr"/>
           <a:lstStyle/>
           <a:p>
-            <a:pPr marL="861218" indent="-861218" algn="l">
+            <a:pPr marL="1247282" indent="-1247282" algn="l">
               <a:lnSpc>
                 <a:spcPct val="120000"/>
               </a:lnSpc>
@@ -3773,7 +3773,7 @@
               </a:buClr>
               <a:buSzPct val="145000"/>
               <a:buChar char="•"/>
-              <a:defRPr b="0" sz="5800">
+              <a:defRPr b="0" sz="7000">
                 <a:solidFill>
                   <a:srgbClr val="000000"/>
                 </a:solidFill>
@@ -3788,7 +3788,7 @@
             </a:r>
           </a:p>
           <a:p>
-            <a:pPr marL="861218" indent="-861218" algn="l">
+            <a:pPr marL="1247282" indent="-1247282" algn="l">
               <a:lnSpc>
                 <a:spcPct val="120000"/>
               </a:lnSpc>
@@ -3797,7 +3797,7 @@
               </a:buClr>
               <a:buSzPct val="145000"/>
               <a:buChar char="•"/>
-              <a:defRPr b="0" sz="5800">
+              <a:defRPr b="0" sz="7000">
                 <a:solidFill>
                   <a:srgbClr val="000000"/>
                 </a:solidFill>
@@ -3823,7 +3823,7 @@
             </a:r>
           </a:p>
           <a:p>
-            <a:pPr lvl="1" marL="1250156" indent="-805656" algn="l">
+            <a:pPr lvl="1" marL="1611312" indent="-1166812" algn="l">
               <a:lnSpc>
                 <a:spcPct val="120000"/>
               </a:lnSpc>
@@ -3832,7 +3832,7 @@
               </a:buClr>
               <a:buSzPct val="145000"/>
               <a:buChar char="•"/>
-              <a:defRPr b="0" sz="5800">
+              <a:defRPr b="0" sz="7000">
                 <a:solidFill>
                   <a:srgbClr val="000000"/>
                 </a:solidFill>
@@ -3847,7 +3847,7 @@
             </a:r>
           </a:p>
           <a:p>
-            <a:pPr lvl="1" marL="1250156" indent="-805656" algn="l">
+            <a:pPr lvl="1" marL="1611312" indent="-1166812" algn="l">
               <a:lnSpc>
                 <a:spcPct val="120000"/>
               </a:lnSpc>
@@ -3856,7 +3856,7 @@
               </a:buClr>
               <a:buSzPct val="145000"/>
               <a:buChar char="•"/>
-              <a:defRPr b="0" sz="5800">
+              <a:defRPr b="0" sz="7000">
                 <a:solidFill>
                   <a:srgbClr val="000000"/>
                 </a:solidFill>
@@ -3871,7 +3871,7 @@
             </a:r>
           </a:p>
           <a:p>
-            <a:pPr lvl="1" marL="1250156" indent="-805656" algn="l">
+            <a:pPr lvl="1" marL="1611312" indent="-1166812" algn="l">
               <a:lnSpc>
                 <a:spcPct val="120000"/>
               </a:lnSpc>
@@ -3880,7 +3880,7 @@
               </a:buClr>
               <a:buSzPct val="145000"/>
               <a:buChar char="•"/>
-              <a:defRPr b="0" sz="5800">
+              <a:defRPr b="0" sz="7000">
                 <a:solidFill>
                   <a:srgbClr val="000000"/>
                 </a:solidFill>
@@ -3904,8 +3904,8 @@
         </p:nvSpPr>
         <p:spPr>
           <a:xfrm>
-            <a:off x="20686581" y="22916206"/>
-            <a:ext cx="16404989" cy="1466135"/>
+            <a:off x="23641807" y="32782197"/>
+            <a:ext cx="18748559" cy="1675583"/>
           </a:xfrm>
           <a:prstGeom prst="rect">
             <a:avLst/>
@@ -3918,11 +3918,11 @@
           </a:ln>
         </p:spPr>
         <p:txBody>
-          <a:bodyPr lIns="66302" tIns="66302" rIns="66302" bIns="66302" anchor="ctr"/>
+          <a:bodyPr lIns="75774" tIns="75774" rIns="75774" bIns="75774" anchor="ctr"/>
           <a:lstStyle/>
           <a:p>
             <a:pPr>
-              <a:defRPr b="0" sz="8000">
+              <a:defRPr b="0" sz="11600">
                 <a:solidFill>
                   <a:schemeClr val="accent1">
                     <a:lumOff val="13529"/>
@@ -3945,8 +3945,8 @@
         </p:nvSpPr>
         <p:spPr>
           <a:xfrm>
-            <a:off x="1304738" y="34134251"/>
-            <a:ext cx="16404988" cy="1466135"/>
+            <a:off x="1500833" y="50688785"/>
+            <a:ext cx="18748560" cy="1675583"/>
           </a:xfrm>
           <a:prstGeom prst="rect">
             <a:avLst/>
@@ -3959,11 +3959,11 @@
           </a:ln>
         </p:spPr>
         <p:txBody>
-          <a:bodyPr lIns="66302" tIns="66302" rIns="66302" bIns="66302" anchor="ctr"/>
+          <a:bodyPr lIns="75774" tIns="75774" rIns="75774" bIns="75774" anchor="ctr"/>
           <a:lstStyle/>
           <a:p>
             <a:pPr>
-              <a:defRPr b="0" sz="8000">
+              <a:defRPr b="0" sz="11600">
                 <a:solidFill>
                   <a:schemeClr val="accent1">
                     <a:lumOff val="13529"/>
@@ -3986,13 +3986,13 @@
         </p:nvSpPr>
         <p:spPr>
           <a:xfrm>
-            <a:off x="32391662" y="34956218"/>
-            <a:ext cx="3412701" cy="3225137"/>
+            <a:off x="36873901" y="51628176"/>
+            <a:ext cx="3900230" cy="3685871"/>
           </a:xfrm>
           <a:prstGeom prst="rect">
             <a:avLst/>
           </a:prstGeom>
-          <a:ln w="177800">
+          <a:ln w="203200">
             <a:solidFill>
               <a:srgbClr val="000000"/>
             </a:solidFill>
@@ -4000,11 +4000,11 @@
           </a:ln>
         </p:spPr>
         <p:txBody>
-          <a:bodyPr lIns="66302" tIns="66302" rIns="66302" bIns="66302" anchor="ctr"/>
+          <a:bodyPr lIns="75774" tIns="75774" rIns="75774" bIns="75774" anchor="ctr"/>
           <a:lstStyle/>
           <a:p>
             <a:pPr>
-              <a:defRPr b="0" sz="8000">
+              <a:defRPr b="0" sz="11600">
                 <a:latin typeface="+mn-lt"/>
                 <a:ea typeface="+mn-ea"/>
                 <a:cs typeface="+mn-cs"/>
@@ -4022,13 +4022,13 @@
         </p:nvSpPr>
         <p:spPr>
           <a:xfrm>
-            <a:off x="20135859" y="34956218"/>
-            <a:ext cx="11513963" cy="3225137"/>
+            <a:off x="22928286" y="51628176"/>
+            <a:ext cx="13158816" cy="3685871"/>
           </a:xfrm>
           <a:prstGeom prst="rect">
             <a:avLst/>
           </a:prstGeom>
-          <a:ln w="177800">
+          <a:ln w="203200">
             <a:solidFill>
               <a:srgbClr val="000000"/>
             </a:solidFill>
@@ -4036,11 +4036,11 @@
           </a:ln>
         </p:spPr>
         <p:txBody>
-          <a:bodyPr lIns="66302" tIns="66302" rIns="66302" bIns="66302" anchor="ctr"/>
+          <a:bodyPr lIns="75774" tIns="75774" rIns="75774" bIns="75774" anchor="ctr"/>
           <a:lstStyle/>
           <a:p>
             <a:pPr>
-              <a:defRPr b="0" sz="8000">
+              <a:defRPr b="0" sz="11600">
                 <a:latin typeface="+mn-lt"/>
                 <a:ea typeface="+mn-ea"/>
                 <a:cs typeface="+mn-cs"/>
@@ -4058,8 +4058,8 @@
         </p:nvSpPr>
         <p:spPr>
           <a:xfrm>
-            <a:off x="21391460" y="22960670"/>
-            <a:ext cx="14995231" cy="1377207"/>
+            <a:off x="24447383" y="32648863"/>
+            <a:ext cx="17137408" cy="1942250"/>
           </a:xfrm>
           <a:prstGeom prst="rect">
             <a:avLst/>
@@ -4074,12 +4074,12 @@
           </a:extLst>
         </p:spPr>
         <p:txBody>
-          <a:bodyPr lIns="66302" tIns="66302" rIns="66302" bIns="66302" anchor="ctr">
+          <a:bodyPr lIns="75774" tIns="75774" rIns="75774" bIns="75774" anchor="ctr">
             <a:spAutoFit/>
           </a:bodyPr>
           <a:lstStyle>
             <a:lvl1pPr>
-              <a:defRPr b="0" sz="8000">
+              <a:defRPr b="0" sz="11600">
                 <a:solidFill>
                   <a:srgbClr val="000000"/>
                 </a:solidFill>
@@ -4117,8 +4117,8 @@
         </p:nvSpPr>
         <p:spPr>
           <a:xfrm>
-            <a:off x="2009616" y="34178715"/>
-            <a:ext cx="14995232" cy="1377207"/>
+            <a:off x="2306409" y="50555451"/>
+            <a:ext cx="17137408" cy="1942251"/>
           </a:xfrm>
           <a:prstGeom prst="rect">
             <a:avLst/>
@@ -4133,12 +4133,12 @@
           </a:extLst>
         </p:spPr>
         <p:txBody>
-          <a:bodyPr lIns="66302" tIns="66302" rIns="66302" bIns="66302" anchor="ctr">
+          <a:bodyPr lIns="75774" tIns="75774" rIns="75774" bIns="75774" anchor="ctr">
             <a:spAutoFit/>
           </a:bodyPr>
           <a:lstStyle>
             <a:lvl1pPr>
-              <a:defRPr b="0" sz="8000">
+              <a:defRPr b="0" sz="11600">
                 <a:solidFill>
                   <a:srgbClr val="000000"/>
                 </a:solidFill>
@@ -4176,8 +4176,8 @@
         </p:nvSpPr>
         <p:spPr>
           <a:xfrm>
-            <a:off x="32590596" y="35262797"/>
-            <a:ext cx="3014834" cy="2611978"/>
+            <a:off x="37101254" y="51978553"/>
+            <a:ext cx="3445524" cy="2985118"/>
           </a:xfrm>
           <a:custGeom>
             <a:avLst/>
@@ -4327,11 +4327,11 @@
           </a:ln>
         </p:spPr>
         <p:txBody>
-          <a:bodyPr lIns="66302" tIns="66302" rIns="66302" bIns="66302" anchor="ctr"/>
+          <a:bodyPr lIns="75774" tIns="75774" rIns="75774" bIns="75774" anchor="ctr"/>
           <a:lstStyle/>
           <a:p>
             <a:pPr>
-              <a:defRPr b="0" sz="8000">
+              <a:defRPr b="0" sz="11600">
                 <a:latin typeface="+mn-lt"/>
                 <a:ea typeface="+mn-ea"/>
                 <a:cs typeface="+mn-cs"/>
@@ -4349,8 +4349,8 @@
         </p:nvSpPr>
         <p:spPr>
           <a:xfrm>
-            <a:off x="20491066" y="35638647"/>
-            <a:ext cx="10803549" cy="1860278"/>
+            <a:off x="23334237" y="52393878"/>
+            <a:ext cx="12346914" cy="2154467"/>
           </a:xfrm>
           <a:prstGeom prst="rect">
             <a:avLst/>
@@ -4365,13 +4365,13 @@
           </a:extLst>
         </p:spPr>
         <p:txBody>
-          <a:bodyPr lIns="66302" tIns="66302" rIns="66302" bIns="66302" anchor="ctr">
+          <a:bodyPr lIns="75774" tIns="75774" rIns="75774" bIns="75774" anchor="ctr">
             <a:spAutoFit/>
           </a:bodyPr>
           <a:lstStyle/>
           <a:p>
             <a:pPr>
-              <a:defRPr sz="6000">
+              <a:defRPr sz="7000">
                 <a:solidFill>
                   <a:srgbClr val="000000"/>
                 </a:solidFill>
@@ -4387,7 +4387,7 @@
           </a:p>
           <a:p>
             <a:pPr>
-              <a:defRPr sz="6000">
+              <a:defRPr sz="7000">
                 <a:solidFill>
                   <a:srgbClr val="FFFD0A"/>
                 </a:solidFill>
@@ -4411,8 +4411,8 @@
         </p:nvSpPr>
         <p:spPr>
           <a:xfrm>
-            <a:off x="4469021" y="25246074"/>
-            <a:ext cx="6968118" cy="6949656"/>
+            <a:off x="5497220" y="37361344"/>
+            <a:ext cx="7963564" cy="7942464"/>
           </a:xfrm>
           <a:custGeom>
             <a:avLst/>
@@ -4483,7 +4483,7 @@
                   <a:pt x="1163" y="20628"/>
                 </a:lnTo>
                 <a:cubicBezTo>
-                  <a:pt x="1057" y="20628"/>
+                  <a:pt x="1056" y="20628"/>
                   <a:pt x="970" y="20539"/>
                   <a:pt x="970" y="20432"/>
                 </a:cubicBezTo>
@@ -4696,11 +4696,11 @@
           </a:ln>
         </p:spPr>
         <p:txBody>
-          <a:bodyPr lIns="66302" tIns="66302" rIns="66302" bIns="66302" anchor="ctr"/>
+          <a:bodyPr lIns="75774" tIns="75774" rIns="75774" bIns="75774" anchor="ctr"/>
           <a:lstStyle/>
           <a:p>
             <a:pPr>
-              <a:defRPr b="0" sz="8000">
+              <a:defRPr b="0" sz="11600">
                 <a:latin typeface="+mn-lt"/>
                 <a:ea typeface="+mn-ea"/>
                 <a:cs typeface="+mn-cs"/>
@@ -4718,8 +4718,8 @@
         </p:nvSpPr>
         <p:spPr>
           <a:xfrm>
-            <a:off x="26661206" y="25248829"/>
-            <a:ext cx="6993040" cy="6946901"/>
+            <a:off x="31685128" y="37362918"/>
+            <a:ext cx="7992046" cy="7939316"/>
           </a:xfrm>
           <a:custGeom>
             <a:avLst/>
@@ -5301,11 +5301,11 @@
           </a:ln>
         </p:spPr>
         <p:txBody>
-          <a:bodyPr lIns="66302" tIns="66302" rIns="66302" bIns="66302" anchor="ctr"/>
+          <a:bodyPr lIns="75774" tIns="75774" rIns="75774" bIns="75774" anchor="ctr"/>
           <a:lstStyle/>
           <a:p>
             <a:pPr>
-              <a:defRPr b="0" sz="8000">
+              <a:defRPr b="0" sz="11600">
                 <a:latin typeface="+mn-lt"/>
                 <a:ea typeface="+mn-ea"/>
                 <a:cs typeface="+mn-cs"/>
@@ -5317,14 +5317,14 @@
       </p:sp>
       <p:sp>
         <p:nvSpPr>
-          <p:cNvPr id="146" name="One sentence summary of the plot to the left…"/>
+          <p:cNvPr id="146" name="Why this science is important…"/>
           <p:cNvSpPr txBox="1"/>
           <p:nvPr/>
         </p:nvSpPr>
         <p:spPr>
           <a:xfrm>
-            <a:off x="13710676" y="25403425"/>
-            <a:ext cx="10676993" cy="7320447"/>
+            <a:off x="3060451" y="51978553"/>
+            <a:ext cx="19060600" cy="3666595"/>
           </a:xfrm>
           <a:prstGeom prst="rect">
             <a:avLst/>
@@ -5339,194 +5339,16 @@
           </a:extLst>
         </p:spPr>
         <p:txBody>
-          <a:bodyPr lIns="66302" tIns="66302" rIns="66302" bIns="66302" anchor="ctr">
-            <a:spAutoFit/>
-          </a:bodyPr>
+          <a:bodyPr lIns="75774" tIns="75774" rIns="75774" bIns="75774" numCol="2" spcCol="953030" anchor="ctr"/>
           <a:lstStyle/>
           <a:p>
-            <a:pPr algn="l">
-              <a:defRPr b="0" sz="6200">
-                <a:solidFill>
-                  <a:srgbClr val="000000"/>
-                </a:solidFill>
-                <a:latin typeface="Arial"/>
-                <a:ea typeface="Arial"/>
-                <a:cs typeface="Arial"/>
-                <a:sym typeface="Arial"/>
-              </a:defRPr>
-            </a:pPr>
-            <a:r>
-              <a:t>One sentence summary of the plot to the left</a:t>
-            </a:r>
-          </a:p>
-          <a:p>
-            <a:pPr algn="l">
-              <a:defRPr b="0" sz="6200">
-                <a:solidFill>
-                  <a:srgbClr val="000000"/>
-                </a:solidFill>
-                <a:latin typeface="Arial"/>
-                <a:ea typeface="Arial"/>
-                <a:cs typeface="Arial"/>
-                <a:sym typeface="Arial"/>
-              </a:defRPr>
-            </a:pPr>
-          </a:p>
-          <a:p>
-            <a:pPr algn="r">
-              <a:defRPr b="0" sz="6200">
-                <a:solidFill>
-                  <a:srgbClr val="000000"/>
-                </a:solidFill>
-                <a:latin typeface="Arial"/>
-                <a:ea typeface="Arial"/>
-                <a:cs typeface="Arial"/>
-                <a:sym typeface="Arial"/>
-              </a:defRPr>
-            </a:pPr>
-            <a:r>
-              <a:t>One sentence summary of the plot to the right</a:t>
-            </a:r>
-          </a:p>
-          <a:p>
-            <a:pPr algn="r">
-              <a:defRPr b="0" sz="6200">
-                <a:solidFill>
-                  <a:srgbClr val="000000"/>
-                </a:solidFill>
-                <a:latin typeface="Arial"/>
-                <a:ea typeface="Arial"/>
-                <a:cs typeface="Arial"/>
-                <a:sym typeface="Arial"/>
-              </a:defRPr>
-            </a:pPr>
-          </a:p>
-          <a:p>
-            <a:pPr algn="l">
-              <a:defRPr b="0" sz="6200">
-                <a:solidFill>
-                  <a:srgbClr val="000000"/>
-                </a:solidFill>
-                <a:latin typeface="Arial"/>
-                <a:ea typeface="Arial"/>
-                <a:cs typeface="Arial"/>
-                <a:sym typeface="Arial"/>
-              </a:defRPr>
-            </a:pPr>
-            <a:r>
-              <a:t>Or maybe throw in a third plot if it’s important</a:t>
-            </a:r>
-          </a:p>
-        </p:txBody>
-      </p:sp>
-      <p:sp>
-        <p:nvSpPr>
-          <p:cNvPr id="147" name="Line"/>
-          <p:cNvSpPr/>
-          <p:nvPr/>
-        </p:nvSpPr>
-        <p:spPr>
-          <a:xfrm flipH="1">
-            <a:off x="12205504" y="26366950"/>
-            <a:ext cx="1153112" cy="1"/>
-          </a:xfrm>
-          <a:prstGeom prst="line">
-            <a:avLst/>
-          </a:prstGeom>
-          <a:ln w="76200">
-            <a:solidFill>
-              <a:srgbClr val="FFFD0A"/>
-            </a:solidFill>
-            <a:miter lim="400000"/>
-            <a:tailEnd type="triangle"/>
-          </a:ln>
-        </p:spPr>
-        <p:txBody>
-          <a:bodyPr lIns="66302" tIns="66302" rIns="66302" bIns="66302" anchor="ctr"/>
-          <a:lstStyle/>
-          <a:p>
-            <a:pPr>
-              <a:defRPr b="0" sz="8000">
-                <a:latin typeface="+mn-lt"/>
-                <a:ea typeface="+mn-ea"/>
-                <a:cs typeface="+mn-cs"/>
-                <a:sym typeface="Helvetica Neue Medium"/>
-              </a:defRPr>
-            </a:pPr>
-          </a:p>
-        </p:txBody>
-      </p:sp>
-      <p:sp>
-        <p:nvSpPr>
-          <p:cNvPr id="148" name="Line"/>
-          <p:cNvSpPr/>
-          <p:nvPr/>
-        </p:nvSpPr>
-        <p:spPr>
-          <a:xfrm>
-            <a:off x="24739730" y="29076348"/>
-            <a:ext cx="1153111" cy="1"/>
-          </a:xfrm>
-          <a:prstGeom prst="line">
-            <a:avLst/>
-          </a:prstGeom>
-          <a:ln w="76200">
-            <a:solidFill>
-              <a:srgbClr val="FFFD0A"/>
-            </a:solidFill>
-            <a:miter lim="400000"/>
-            <a:tailEnd type="triangle"/>
-          </a:ln>
-        </p:spPr>
-        <p:txBody>
-          <a:bodyPr lIns="66302" tIns="66302" rIns="66302" bIns="66302" anchor="ctr"/>
-          <a:lstStyle/>
-          <a:p>
-            <a:pPr>
-              <a:defRPr b="0" sz="8000">
-                <a:latin typeface="+mn-lt"/>
-                <a:ea typeface="+mn-ea"/>
-                <a:cs typeface="+mn-cs"/>
-                <a:sym typeface="Helvetica Neue Medium"/>
-              </a:defRPr>
-            </a:pPr>
-          </a:p>
-        </p:txBody>
-      </p:sp>
-      <p:sp>
-        <p:nvSpPr>
-          <p:cNvPr id="149" name="Why this science is important…"/>
-          <p:cNvSpPr txBox="1"/>
-          <p:nvPr/>
-        </p:nvSpPr>
-        <p:spPr>
-          <a:xfrm>
-            <a:off x="3367561" y="35119922"/>
-            <a:ext cx="15513333" cy="3208271"/>
-          </a:xfrm>
-          <a:prstGeom prst="rect">
-            <a:avLst/>
-          </a:prstGeom>
-          <a:ln w="3175">
-            <a:miter lim="400000"/>
-          </a:ln>
-          <a:extLst>
-            <a:ext uri="{C572A759-6A51-4108-AA02-DFA0A04FC94B}">
-              <ma14:wrappingTextBoxFlag xmlns:ma14="http://schemas.microsoft.com/office/mac/drawingml/2011/main" val="1"/>
-            </a:ext>
-          </a:extLst>
-        </p:spPr>
-        <p:txBody>
-          <a:bodyPr lIns="66302" tIns="66302" rIns="66302" bIns="66302" numCol="2" spcCol="775666" anchor="ctr"/>
-          <a:lstStyle/>
-          <a:p>
-            <a:pPr marL="861218" indent="-861218" algn="l">
+            <a:pPr marL="1247282" indent="-1247282" algn="l">
               <a:lnSpc>
                 <a:spcPct val="120000"/>
               </a:lnSpc>
               <a:buSzPct val="145000"/>
               <a:buChar char="•"/>
-              <a:defRPr b="0" sz="5800">
+              <a:defRPr b="0" sz="7000">
                 <a:solidFill>
                   <a:srgbClr val="000000"/>
                 </a:solidFill>
@@ -5549,13 +5371,13 @@
             </a:r>
           </a:p>
           <a:p>
-            <a:pPr marL="861218" indent="-861218" algn="l">
+            <a:pPr marL="1247282" indent="-1247282" algn="l">
               <a:lnSpc>
                 <a:spcPct val="120000"/>
               </a:lnSpc>
               <a:buSzPct val="145000"/>
               <a:buChar char="•"/>
-              <a:defRPr b="0" sz="5800">
+              <a:defRPr b="0" sz="7000">
                 <a:solidFill>
                   <a:srgbClr val="000000"/>
                 </a:solidFill>
@@ -5575,6 +5397,410 @@
             </a:r>
             <a:r>
               <a:t> do you plan on going from here</a:t>
+            </a:r>
+          </a:p>
+        </p:txBody>
+      </p:sp>
+      <p:sp>
+        <p:nvSpPr>
+          <p:cNvPr id="147" name="Scatter Graph"/>
+          <p:cNvSpPr/>
+          <p:nvPr/>
+        </p:nvSpPr>
+        <p:spPr>
+          <a:xfrm>
+            <a:off x="18847392" y="37313828"/>
+            <a:ext cx="7958589" cy="7937501"/>
+          </a:xfrm>
+          <a:custGeom>
+            <a:avLst/>
+            <a:gdLst/>
+            <a:ahLst/>
+            <a:cxnLst>
+              <a:cxn ang="0">
+                <a:pos x="wd2" y="hd2"/>
+              </a:cxn>
+              <a:cxn ang="5400000">
+                <a:pos x="wd2" y="hd2"/>
+              </a:cxn>
+              <a:cxn ang="10800000">
+                <a:pos x="wd2" y="hd2"/>
+              </a:cxn>
+              <a:cxn ang="16200000">
+                <a:pos x="wd2" y="hd2"/>
+              </a:cxn>
+            </a:cxnLst>
+            <a:rect l="0" t="0" r="r" b="b"/>
+            <a:pathLst>
+              <a:path w="21600" h="21600" fill="norm" stroke="1" extrusionOk="0">
+                <a:moveTo>
+                  <a:pt x="194" y="0"/>
+                </a:moveTo>
+                <a:cubicBezTo>
+                  <a:pt x="87" y="0"/>
+                  <a:pt x="0" y="87"/>
+                  <a:pt x="0" y="194"/>
+                </a:cubicBezTo>
+                <a:lnTo>
+                  <a:pt x="0" y="21406"/>
+                </a:lnTo>
+                <a:cubicBezTo>
+                  <a:pt x="0" y="21513"/>
+                  <a:pt x="87" y="21600"/>
+                  <a:pt x="194" y="21600"/>
+                </a:cubicBezTo>
+                <a:lnTo>
+                  <a:pt x="21406" y="21600"/>
+                </a:lnTo>
+                <a:cubicBezTo>
+                  <a:pt x="21513" y="21600"/>
+                  <a:pt x="21600" y="21513"/>
+                  <a:pt x="21600" y="21406"/>
+                </a:cubicBezTo>
+                <a:lnTo>
+                  <a:pt x="21600" y="20822"/>
+                </a:lnTo>
+                <a:cubicBezTo>
+                  <a:pt x="21600" y="20715"/>
+                  <a:pt x="21513" y="20628"/>
+                  <a:pt x="21406" y="20628"/>
+                </a:cubicBezTo>
+                <a:lnTo>
+                  <a:pt x="1163" y="20628"/>
+                </a:lnTo>
+                <a:cubicBezTo>
+                  <a:pt x="1056" y="20628"/>
+                  <a:pt x="970" y="20541"/>
+                  <a:pt x="970" y="20434"/>
+                </a:cubicBezTo>
+                <a:lnTo>
+                  <a:pt x="970" y="194"/>
+                </a:lnTo>
+                <a:cubicBezTo>
+                  <a:pt x="970" y="87"/>
+                  <a:pt x="883" y="0"/>
+                  <a:pt x="776" y="0"/>
+                </a:cubicBezTo>
+                <a:lnTo>
+                  <a:pt x="194" y="0"/>
+                </a:lnTo>
+                <a:close/>
+                <a:moveTo>
+                  <a:pt x="14855" y="4365"/>
+                </a:moveTo>
+                <a:cubicBezTo>
+                  <a:pt x="14545" y="4365"/>
+                  <a:pt x="14235" y="4483"/>
+                  <a:pt x="13998" y="4721"/>
+                </a:cubicBezTo>
+                <a:cubicBezTo>
+                  <a:pt x="13525" y="5195"/>
+                  <a:pt x="13525" y="5964"/>
+                  <a:pt x="13998" y="6439"/>
+                </a:cubicBezTo>
+                <a:cubicBezTo>
+                  <a:pt x="14472" y="6913"/>
+                  <a:pt x="15239" y="6913"/>
+                  <a:pt x="15712" y="6439"/>
+                </a:cubicBezTo>
+                <a:cubicBezTo>
+                  <a:pt x="16185" y="5964"/>
+                  <a:pt x="16185" y="5195"/>
+                  <a:pt x="15712" y="4721"/>
+                </a:cubicBezTo>
+                <a:cubicBezTo>
+                  <a:pt x="15475" y="4483"/>
+                  <a:pt x="15165" y="4365"/>
+                  <a:pt x="14855" y="4365"/>
+                </a:cubicBezTo>
+                <a:close/>
+                <a:moveTo>
+                  <a:pt x="4336" y="6020"/>
+                </a:moveTo>
+                <a:cubicBezTo>
+                  <a:pt x="4026" y="6020"/>
+                  <a:pt x="3716" y="6139"/>
+                  <a:pt x="3479" y="6376"/>
+                </a:cubicBezTo>
+                <a:cubicBezTo>
+                  <a:pt x="3006" y="6851"/>
+                  <a:pt x="3006" y="7620"/>
+                  <a:pt x="3479" y="8095"/>
+                </a:cubicBezTo>
+                <a:cubicBezTo>
+                  <a:pt x="3953" y="8569"/>
+                  <a:pt x="4720" y="8569"/>
+                  <a:pt x="5193" y="8095"/>
+                </a:cubicBezTo>
+                <a:cubicBezTo>
+                  <a:pt x="5666" y="7620"/>
+                  <a:pt x="5666" y="6851"/>
+                  <a:pt x="5193" y="6376"/>
+                </a:cubicBezTo>
+                <a:cubicBezTo>
+                  <a:pt x="4956" y="6139"/>
+                  <a:pt x="4646" y="6020"/>
+                  <a:pt x="4336" y="6020"/>
+                </a:cubicBezTo>
+                <a:close/>
+                <a:moveTo>
+                  <a:pt x="9154" y="9823"/>
+                </a:moveTo>
+                <a:cubicBezTo>
+                  <a:pt x="8844" y="9823"/>
+                  <a:pt x="8534" y="9942"/>
+                  <a:pt x="8297" y="10179"/>
+                </a:cubicBezTo>
+                <a:cubicBezTo>
+                  <a:pt x="7824" y="10653"/>
+                  <a:pt x="7824" y="11422"/>
+                  <a:pt x="8297" y="11897"/>
+                </a:cubicBezTo>
+                <a:cubicBezTo>
+                  <a:pt x="8770" y="12372"/>
+                  <a:pt x="9537" y="12372"/>
+                  <a:pt x="10011" y="11897"/>
+                </a:cubicBezTo>
+                <a:cubicBezTo>
+                  <a:pt x="10484" y="11422"/>
+                  <a:pt x="10484" y="10653"/>
+                  <a:pt x="10011" y="10179"/>
+                </a:cubicBezTo>
+                <a:cubicBezTo>
+                  <a:pt x="9774" y="9942"/>
+                  <a:pt x="9464" y="9823"/>
+                  <a:pt x="9154" y="9823"/>
+                </a:cubicBezTo>
+                <a:close/>
+                <a:moveTo>
+                  <a:pt x="16522" y="12697"/>
+                </a:moveTo>
+                <a:cubicBezTo>
+                  <a:pt x="16211" y="12697"/>
+                  <a:pt x="15901" y="12816"/>
+                  <a:pt x="15665" y="13053"/>
+                </a:cubicBezTo>
+                <a:cubicBezTo>
+                  <a:pt x="15191" y="13528"/>
+                  <a:pt x="15191" y="14297"/>
+                  <a:pt x="15665" y="14771"/>
+                </a:cubicBezTo>
+                <a:cubicBezTo>
+                  <a:pt x="16138" y="15246"/>
+                  <a:pt x="16905" y="15246"/>
+                  <a:pt x="17378" y="14771"/>
+                </a:cubicBezTo>
+                <a:cubicBezTo>
+                  <a:pt x="17852" y="14297"/>
+                  <a:pt x="17852" y="13528"/>
+                  <a:pt x="17378" y="13053"/>
+                </a:cubicBezTo>
+                <a:cubicBezTo>
+                  <a:pt x="17142" y="12816"/>
+                  <a:pt x="16832" y="12697"/>
+                  <a:pt x="16522" y="12697"/>
+                </a:cubicBezTo>
+                <a:close/>
+                <a:moveTo>
+                  <a:pt x="6257" y="15838"/>
+                </a:moveTo>
+                <a:cubicBezTo>
+                  <a:pt x="5947" y="15838"/>
+                  <a:pt x="5637" y="15957"/>
+                  <a:pt x="5400" y="16194"/>
+                </a:cubicBezTo>
+                <a:cubicBezTo>
+                  <a:pt x="4927" y="16669"/>
+                  <a:pt x="4927" y="17438"/>
+                  <a:pt x="5400" y="17912"/>
+                </a:cubicBezTo>
+                <a:cubicBezTo>
+                  <a:pt x="5873" y="18387"/>
+                  <a:pt x="6640" y="18387"/>
+                  <a:pt x="7114" y="17912"/>
+                </a:cubicBezTo>
+                <a:cubicBezTo>
+                  <a:pt x="7587" y="17438"/>
+                  <a:pt x="7587" y="16669"/>
+                  <a:pt x="7114" y="16194"/>
+                </a:cubicBezTo>
+                <a:cubicBezTo>
+                  <a:pt x="6877" y="15957"/>
+                  <a:pt x="6567" y="15838"/>
+                  <a:pt x="6257" y="15838"/>
+                </a:cubicBezTo>
+                <a:close/>
+              </a:path>
+            </a:pathLst>
+          </a:custGeom>
+          <a:solidFill>
+            <a:srgbClr val="FFFD0A"/>
+          </a:solidFill>
+          <a:ln w="3175">
+            <a:miter lim="400000"/>
+          </a:ln>
+        </p:spPr>
+        <p:txBody>
+          <a:bodyPr lIns="75774" tIns="75774" rIns="75774" bIns="75774" anchor="ctr"/>
+          <a:lstStyle/>
+          <a:p>
+            <a:pPr>
+              <a:defRPr b="0" sz="11600">
+                <a:latin typeface="+mn-lt"/>
+                <a:ea typeface="+mn-ea"/>
+                <a:cs typeface="+mn-cs"/>
+                <a:sym typeface="Helvetica Neue Medium"/>
+              </a:defRPr>
+            </a:pPr>
+          </a:p>
+        </p:txBody>
+      </p:sp>
+      <p:sp>
+        <p:nvSpPr>
+          <p:cNvPr id="148" name="One sentence summary of the above plot"/>
+          <p:cNvSpPr txBox="1"/>
+          <p:nvPr/>
+        </p:nvSpPr>
+        <p:spPr>
+          <a:xfrm>
+            <a:off x="31685128" y="46174163"/>
+            <a:ext cx="9432759" cy="3170467"/>
+          </a:xfrm>
+          <a:prstGeom prst="rect">
+            <a:avLst/>
+          </a:prstGeom>
+          <a:ln w="3175">
+            <a:miter lim="400000"/>
+          </a:ln>
+          <a:extLst>
+            <a:ext uri="{C572A759-6A51-4108-AA02-DFA0A04FC94B}">
+              <ma14:wrappingTextBoxFlag xmlns:ma14="http://schemas.microsoft.com/office/mac/drawingml/2011/main" val="1"/>
+            </a:ext>
+          </a:extLst>
+        </p:spPr>
+        <p:txBody>
+          <a:bodyPr lIns="75774" tIns="75774" rIns="75774" bIns="75774" anchor="ctr">
+            <a:spAutoFit/>
+          </a:bodyPr>
+          <a:lstStyle>
+            <a:lvl1pPr marL="1247282" indent="-1247282" algn="l">
+              <a:buSzPct val="145000"/>
+              <a:buChar char="•"/>
+              <a:defRPr b="0" sz="7000">
+                <a:solidFill>
+                  <a:srgbClr val="000000"/>
+                </a:solidFill>
+                <a:latin typeface="Arial"/>
+                <a:ea typeface="Arial"/>
+                <a:cs typeface="Arial"/>
+                <a:sym typeface="Arial"/>
+              </a:defRPr>
+            </a:lvl1pPr>
+          </a:lstStyle>
+          <a:p>
+            <a:pPr/>
+            <a:r>
+              <a:t>One sentence summary of the above plot</a:t>
+            </a:r>
+          </a:p>
+        </p:txBody>
+      </p:sp>
+      <p:sp>
+        <p:nvSpPr>
+          <p:cNvPr id="149" name="One sentence summary of the above plot"/>
+          <p:cNvSpPr txBox="1"/>
+          <p:nvPr/>
+        </p:nvSpPr>
+        <p:spPr>
+          <a:xfrm>
+            <a:off x="18847392" y="46174163"/>
+            <a:ext cx="9432760" cy="3170467"/>
+          </a:xfrm>
+          <a:prstGeom prst="rect">
+            <a:avLst/>
+          </a:prstGeom>
+          <a:ln w="3175">
+            <a:miter lim="400000"/>
+          </a:ln>
+          <a:extLst>
+            <a:ext uri="{C572A759-6A51-4108-AA02-DFA0A04FC94B}">
+              <ma14:wrappingTextBoxFlag xmlns:ma14="http://schemas.microsoft.com/office/mac/drawingml/2011/main" val="1"/>
+            </a:ext>
+          </a:extLst>
+        </p:spPr>
+        <p:txBody>
+          <a:bodyPr lIns="75774" tIns="75774" rIns="75774" bIns="75774" anchor="ctr">
+            <a:spAutoFit/>
+          </a:bodyPr>
+          <a:lstStyle>
+            <a:lvl1pPr marL="1247282" indent="-1247282" algn="l">
+              <a:buSzPct val="145000"/>
+              <a:buChar char="•"/>
+              <a:defRPr b="0" sz="7000">
+                <a:solidFill>
+                  <a:srgbClr val="000000"/>
+                </a:solidFill>
+                <a:latin typeface="Arial"/>
+                <a:ea typeface="Arial"/>
+                <a:cs typeface="Arial"/>
+                <a:sym typeface="Arial"/>
+              </a:defRPr>
+            </a:lvl1pPr>
+          </a:lstStyle>
+          <a:p>
+            <a:pPr/>
+            <a:r>
+              <a:t>One sentence summary of the above plot</a:t>
+            </a:r>
+          </a:p>
+        </p:txBody>
+      </p:sp>
+      <p:sp>
+        <p:nvSpPr>
+          <p:cNvPr id="150" name="One sentence summary of the above plot"/>
+          <p:cNvSpPr txBox="1"/>
+          <p:nvPr/>
+        </p:nvSpPr>
+        <p:spPr>
+          <a:xfrm>
+            <a:off x="5497220" y="46174163"/>
+            <a:ext cx="9432760" cy="3170467"/>
+          </a:xfrm>
+          <a:prstGeom prst="rect">
+            <a:avLst/>
+          </a:prstGeom>
+          <a:ln w="3175">
+            <a:miter lim="400000"/>
+          </a:ln>
+          <a:extLst>
+            <a:ext uri="{C572A759-6A51-4108-AA02-DFA0A04FC94B}">
+              <ma14:wrappingTextBoxFlag xmlns:ma14="http://schemas.microsoft.com/office/mac/drawingml/2011/main" val="1"/>
+            </a:ext>
+          </a:extLst>
+        </p:spPr>
+        <p:txBody>
+          <a:bodyPr lIns="75774" tIns="75774" rIns="75774" bIns="75774" anchor="ctr">
+            <a:spAutoFit/>
+          </a:bodyPr>
+          <a:lstStyle>
+            <a:lvl1pPr marL="1247282" indent="-1247282" algn="l">
+              <a:buSzPct val="145000"/>
+              <a:buChar char="•"/>
+              <a:defRPr b="0" sz="7000">
+                <a:solidFill>
+                  <a:srgbClr val="000000"/>
+                </a:solidFill>
+                <a:latin typeface="Arial"/>
+                <a:ea typeface="Arial"/>
+                <a:cs typeface="Arial"/>
+                <a:sym typeface="Arial"/>
+              </a:defRPr>
+            </a:lvl1pPr>
+          </a:lstStyle>
+          <a:p>
+            <a:pPr/>
+            <a:r>
+              <a:t>One sentence summary of the above plot</a:t>
             </a:r>
           </a:p>
         </p:txBody>
@@ -5790,11 +6016,11 @@
         <a:effectLst/>
         <a:sp3d/>
       </a:spPr>
-      <a:bodyPr rot="0" spcFirstLastPara="1" vertOverflow="overflow" horzOverflow="overflow" vert="horz" wrap="square" lIns="66302" tIns="66302" rIns="66302" bIns="66302" numCol="1" spcCol="38100" rtlCol="0" anchor="ctr" upright="0">
+      <a:bodyPr rot="0" spcFirstLastPara="1" vertOverflow="overflow" horzOverflow="overflow" vert="horz" wrap="square" lIns="75774" tIns="75774" rIns="75774" bIns="75774" numCol="1" spcCol="38100" rtlCol="0" anchor="ctr" upright="0">
         <a:spAutoFit/>
       </a:bodyPr>
       <a:lstStyle>
-        <a:defPPr marL="0" marR="0" indent="0" algn="ctr" defTabSz="2409825" rtl="0" fontAlgn="auto" latinLnBrk="0" hangingPunct="0">
+        <a:defPPr marL="0" marR="0" indent="0" algn="ctr" defTabSz="3505200" rtl="0" fontAlgn="auto" latinLnBrk="0" hangingPunct="0">
           <a:lnSpc>
             <a:spcPct val="100000"/>
           </a:lnSpc>
@@ -5809,7 +6035,7 @@
           <a:buFontTx/>
           <a:buNone/>
           <a:tabLst/>
-          <a:defRPr b="0" baseline="0" cap="none" i="0" spc="0" strike="noStrike" sz="8000" u="none" kumimoji="0" normalizeH="0">
+          <a:defRPr b="0" baseline="0" cap="none" i="0" spc="0" strike="noStrike" sz="11600" u="none" kumimoji="0" normalizeH="0">
             <a:ln>
               <a:noFill/>
             </a:ln>
@@ -6361,11 +6587,11 @@
         <a:effectLst/>
         <a:sp3d/>
       </a:spPr>
-      <a:bodyPr rot="0" spcFirstLastPara="1" vertOverflow="overflow" horzOverflow="overflow" vert="horz" wrap="square" lIns="66302" tIns="66302" rIns="66302" bIns="66302" numCol="1" spcCol="38100" rtlCol="0" anchor="ctr" upright="0">
+      <a:bodyPr rot="0" spcFirstLastPara="1" vertOverflow="overflow" horzOverflow="overflow" vert="horz" wrap="square" lIns="75774" tIns="75774" rIns="75774" bIns="75774" numCol="1" spcCol="38100" rtlCol="0" anchor="ctr" upright="0">
         <a:spAutoFit/>
       </a:bodyPr>
       <a:lstStyle>
-        <a:defPPr marL="0" marR="0" indent="0" algn="ctr" defTabSz="2409825" rtl="0" fontAlgn="auto" latinLnBrk="0" hangingPunct="0">
+        <a:defPPr marL="0" marR="0" indent="0" algn="ctr" defTabSz="3505200" rtl="0" fontAlgn="auto" latinLnBrk="0" hangingPunct="0">
           <a:lnSpc>
             <a:spcPct val="100000"/>
           </a:lnSpc>
@@ -6380,7 +6606,7 @@
           <a:buFontTx/>
           <a:buNone/>
           <a:tabLst/>
-          <a:defRPr b="1" baseline="0" cap="none" i="0" spc="0" strike="noStrike" sz="8600" u="none" kumimoji="0" normalizeH="0">
+          <a:defRPr b="1" baseline="0" cap="none" i="0" spc="0" strike="noStrike" sz="12400" u="none" kumimoji="0" normalizeH="0">
             <a:ln>
               <a:noFill/>
             </a:ln>
@@ -6843,11 +7069,11 @@
         <a:effectLst/>
         <a:sp3d/>
       </a:spPr>
-      <a:bodyPr rot="0" spcFirstLastPara="1" vertOverflow="overflow" horzOverflow="overflow" vert="horz" wrap="square" lIns="66302" tIns="66302" rIns="66302" bIns="66302" numCol="1" spcCol="38100" rtlCol="0" anchor="ctr" upright="0">
+      <a:bodyPr rot="0" spcFirstLastPara="1" vertOverflow="overflow" horzOverflow="overflow" vert="horz" wrap="square" lIns="75774" tIns="75774" rIns="75774" bIns="75774" numCol="1" spcCol="38100" rtlCol="0" anchor="ctr" upright="0">
         <a:spAutoFit/>
       </a:bodyPr>
       <a:lstStyle>
-        <a:defPPr marL="0" marR="0" indent="0" algn="ctr" defTabSz="2409825" rtl="0" fontAlgn="auto" latinLnBrk="0" hangingPunct="0">
+        <a:defPPr marL="0" marR="0" indent="0" algn="ctr" defTabSz="3505200" rtl="0" fontAlgn="auto" latinLnBrk="0" hangingPunct="0">
           <a:lnSpc>
             <a:spcPct val="100000"/>
           </a:lnSpc>
@@ -6862,7 +7088,7 @@
           <a:buFontTx/>
           <a:buNone/>
           <a:tabLst/>
-          <a:defRPr b="0" baseline="0" cap="none" i="0" spc="0" strike="noStrike" sz="8000" u="none" kumimoji="0" normalizeH="0">
+          <a:defRPr b="0" baseline="0" cap="none" i="0" spc="0" strike="noStrike" sz="11600" u="none" kumimoji="0" normalizeH="0">
             <a:ln>
               <a:noFill/>
             </a:ln>
@@ -7414,11 +7640,11 @@
         <a:effectLst/>
         <a:sp3d/>
       </a:spPr>
-      <a:bodyPr rot="0" spcFirstLastPara="1" vertOverflow="overflow" horzOverflow="overflow" vert="horz" wrap="square" lIns="66302" tIns="66302" rIns="66302" bIns="66302" numCol="1" spcCol="38100" rtlCol="0" anchor="ctr" upright="0">
+      <a:bodyPr rot="0" spcFirstLastPara="1" vertOverflow="overflow" horzOverflow="overflow" vert="horz" wrap="square" lIns="75774" tIns="75774" rIns="75774" bIns="75774" numCol="1" spcCol="38100" rtlCol="0" anchor="ctr" upright="0">
         <a:spAutoFit/>
       </a:bodyPr>
       <a:lstStyle>
-        <a:defPPr marL="0" marR="0" indent="0" algn="ctr" defTabSz="2409825" rtl="0" fontAlgn="auto" latinLnBrk="0" hangingPunct="0">
+        <a:defPPr marL="0" marR="0" indent="0" algn="ctr" defTabSz="3505200" rtl="0" fontAlgn="auto" latinLnBrk="0" hangingPunct="0">
           <a:lnSpc>
             <a:spcPct val="100000"/>
           </a:lnSpc>
@@ -7433,7 +7659,7 @@
           <a:buFontTx/>
           <a:buNone/>
           <a:tabLst/>
-          <a:defRPr b="1" baseline="0" cap="none" i="0" spc="0" strike="noStrike" sz="8600" u="none" kumimoji="0" normalizeH="0">
+          <a:defRPr b="1" baseline="0" cap="none" i="0" spc="0" strike="noStrike" sz="12400" u="none" kumimoji="0" normalizeH="0">
             <a:ln>
               <a:noFill/>
             </a:ln>
